--- a/lectures/DeepNeuralNetworks.pptx
+++ b/lectures/DeepNeuralNetworks.pptx
@@ -5,43 +5,40 @@
     <p:sldMasterId id="2147483657" r:id="rId1"/>
   </p:sldMasterIdLst>
   <p:notesMasterIdLst>
-    <p:notesMasterId r:id="rId12"/>
+    <p:notesMasterId r:id="rId9"/>
   </p:notesMasterIdLst>
   <p:sldIdLst>
     <p:sldId id="259" r:id="rId2"/>
-    <p:sldId id="280" r:id="rId3"/>
-    <p:sldId id="285" r:id="rId4"/>
-    <p:sldId id="286" r:id="rId5"/>
-    <p:sldId id="287" r:id="rId6"/>
-    <p:sldId id="278" r:id="rId7"/>
-    <p:sldId id="281" r:id="rId8"/>
-    <p:sldId id="277" r:id="rId9"/>
-    <p:sldId id="288" r:id="rId10"/>
-    <p:sldId id="289" r:id="rId11"/>
+    <p:sldId id="287" r:id="rId3"/>
+    <p:sldId id="278" r:id="rId4"/>
+    <p:sldId id="281" r:id="rId5"/>
+    <p:sldId id="277" r:id="rId6"/>
+    <p:sldId id="288" r:id="rId7"/>
+    <p:sldId id="289" r:id="rId8"/>
   </p:sldIdLst>
   <p:sldSz cx="9144000" cy="5143500" type="screen16x9"/>
   <p:notesSz cx="6858000" cy="9144000"/>
   <p:embeddedFontLst>
     <p:embeddedFont>
       <p:font typeface="Arvo" panose="020B0604020202020204" charset="0"/>
-      <p:regular r:id="rId13"/>
-      <p:bold r:id="rId14"/>
-      <p:italic r:id="rId15"/>
-      <p:boldItalic r:id="rId16"/>
+      <p:regular r:id="rId10"/>
+      <p:bold r:id="rId11"/>
+      <p:italic r:id="rId12"/>
+      <p:boldItalic r:id="rId13"/>
     </p:embeddedFont>
     <p:embeddedFont>
-      <p:font typeface="Roboto Condensed" panose="020B0604020202020204" charset="0"/>
-      <p:regular r:id="rId17"/>
-      <p:bold r:id="rId18"/>
-      <p:italic r:id="rId19"/>
-      <p:boldItalic r:id="rId20"/>
+      <p:font typeface="Roboto Condensed" panose="02000000000000000000" pitchFamily="2" charset="0"/>
+      <p:regular r:id="rId14"/>
+      <p:bold r:id="rId15"/>
+      <p:italic r:id="rId16"/>
+      <p:boldItalic r:id="rId17"/>
     </p:embeddedFont>
     <p:embeddedFont>
-      <p:font typeface="Roboto Condensed Light" panose="020B0604020202020204" charset="0"/>
-      <p:regular r:id="rId21"/>
-      <p:bold r:id="rId22"/>
-      <p:italic r:id="rId23"/>
-      <p:boldItalic r:id="rId24"/>
+      <p:font typeface="Roboto Condensed Light" panose="02000000000000000000" pitchFamily="2" charset="0"/>
+      <p:regular r:id="rId18"/>
+      <p:bold r:id="rId19"/>
+      <p:italic r:id="rId20"/>
+      <p:boldItalic r:id="rId21"/>
     </p:embeddedFont>
   </p:embeddedFontLst>
   <p:defaultTextStyle>
@@ -254,6 +251,41 @@
 </p:presentation>
 </file>
 
+<file path=ppt/changesInfos/changesInfo1.xml><?xml version="1.0" encoding="utf-8"?>
+<pc:chgInfo xmlns:a="http://schemas.openxmlformats.org/drawingml/2006/main" xmlns:r="http://schemas.openxmlformats.org/officeDocument/2006/relationships" xmlns:ac="http://schemas.microsoft.com/office/drawing/2013/main/command" xmlns:pc="http://schemas.microsoft.com/office/powerpoint/2013/main/command">
+  <pc:docChgLst>
+    <pc:chgData name="Jan Schaffranek" userId="185de13651d64d23" providerId="LiveId" clId="{EAB9CD93-9E46-4888-8FF0-3EDB9D04C3A7}"/>
+    <pc:docChg chg="delSld">
+      <pc:chgData name="Jan Schaffranek" userId="185de13651d64d23" providerId="LiveId" clId="{EAB9CD93-9E46-4888-8FF0-3EDB9D04C3A7}" dt="2022-07-29T14:03:03.467" v="2" actId="47"/>
+      <pc:docMkLst>
+        <pc:docMk/>
+      </pc:docMkLst>
+      <pc:sldChg chg="del">
+        <pc:chgData name="Jan Schaffranek" userId="185de13651d64d23" providerId="LiveId" clId="{EAB9CD93-9E46-4888-8FF0-3EDB9D04C3A7}" dt="2022-07-29T14:03:02.732" v="0" actId="47"/>
+        <pc:sldMkLst>
+          <pc:docMk/>
+          <pc:sldMk cId="4041939925" sldId="280"/>
+        </pc:sldMkLst>
+      </pc:sldChg>
+      <pc:sldChg chg="del">
+        <pc:chgData name="Jan Schaffranek" userId="185de13651d64d23" providerId="LiveId" clId="{EAB9CD93-9E46-4888-8FF0-3EDB9D04C3A7}" dt="2022-07-29T14:03:03.033" v="1" actId="47"/>
+        <pc:sldMkLst>
+          <pc:docMk/>
+          <pc:sldMk cId="962133114" sldId="285"/>
+        </pc:sldMkLst>
+      </pc:sldChg>
+      <pc:sldChg chg="del">
+        <pc:chgData name="Jan Schaffranek" userId="185de13651d64d23" providerId="LiveId" clId="{EAB9CD93-9E46-4888-8FF0-3EDB9D04C3A7}" dt="2022-07-29T14:03:03.467" v="2" actId="47"/>
+        <pc:sldMkLst>
+          <pc:docMk/>
+          <pc:sldMk cId="27878410" sldId="286"/>
+        </pc:sldMkLst>
+      </pc:sldChg>
+    </pc:docChg>
+  </pc:docChgLst>
+</pc:chgInfo>
+</file>
+
 <file path=ppt/notesMasters/notesMaster1.xml><?xml version="1.0" encoding="utf-8"?>
 <p:notesMaster xmlns:a="http://schemas.openxmlformats.org/drawingml/2006/main" xmlns:r="http://schemas.openxmlformats.org/officeDocument/2006/relationships" xmlns:p="http://schemas.openxmlformats.org/presentationml/2006/main">
   <p:cSld>
@@ -630,112 +662,6 @@
 </p:notes>
 </file>
 
-<file path=ppt/notesSlides/notesSlide10.xml><?xml version="1.0" encoding="utf-8"?>
-<p:notes xmlns:a="http://schemas.openxmlformats.org/drawingml/2006/main" xmlns:r="http://schemas.openxmlformats.org/officeDocument/2006/relationships" xmlns:p="http://schemas.openxmlformats.org/presentationml/2006/main" showMasterSp="0" showMasterPhAnim="0">
-  <p:cSld>
-    <p:spTree>
-      <p:nvGrpSpPr>
-        <p:cNvPr id="1" name="Shape 232"/>
-        <p:cNvGrpSpPr/>
-        <p:nvPr/>
-      </p:nvGrpSpPr>
-      <p:grpSpPr>
-        <a:xfrm>
-          <a:off x="0" y="0"/>
-          <a:ext cx="0" cy="0"/>
-          <a:chOff x="0" y="0"/>
-          <a:chExt cx="0" cy="0"/>
-        </a:xfrm>
-      </p:grpSpPr>
-      <p:sp>
-        <p:nvSpPr>
-          <p:cNvPr id="233" name="Shape 233"/>
-          <p:cNvSpPr>
-            <a:spLocks noGrp="1" noRot="1" noChangeAspect="1"/>
-          </p:cNvSpPr>
-          <p:nvPr>
-            <p:ph type="sldImg" idx="2"/>
-          </p:nvPr>
-        </p:nvSpPr>
-        <p:spPr>
-          <a:xfrm>
-            <a:off x="381000" y="685800"/>
-            <a:ext cx="6096000" cy="3429000"/>
-          </a:xfrm>
-          <a:custGeom>
-            <a:avLst/>
-            <a:gdLst/>
-            <a:ahLst/>
-            <a:cxnLst/>
-            <a:rect l="0" t="0" r="0" b="0"/>
-            <a:pathLst>
-              <a:path w="120000" h="120000" extrusionOk="0">
-                <a:moveTo>
-                  <a:pt x="0" y="0"/>
-                </a:moveTo>
-                <a:lnTo>
-                  <a:pt x="120000" y="0"/>
-                </a:lnTo>
-                <a:lnTo>
-                  <a:pt x="120000" y="120000"/>
-                </a:lnTo>
-                <a:lnTo>
-                  <a:pt x="0" y="120000"/>
-                </a:lnTo>
-                <a:close/>
-              </a:path>
-            </a:pathLst>
-          </a:custGeom>
-        </p:spPr>
-      </p:sp>
-      <p:sp>
-        <p:nvSpPr>
-          <p:cNvPr id="234" name="Shape 234"/>
-          <p:cNvSpPr txBox="1">
-            <a:spLocks noGrp="1"/>
-          </p:cNvSpPr>
-          <p:nvPr>
-            <p:ph type="body" idx="1"/>
-          </p:nvPr>
-        </p:nvSpPr>
-        <p:spPr>
-          <a:xfrm>
-            <a:off x="685800" y="4343400"/>
-            <a:ext cx="5486400" cy="4114800"/>
-          </a:xfrm>
-          <a:prstGeom prst="rect">
-            <a:avLst/>
-          </a:prstGeom>
-        </p:spPr>
-        <p:txBody>
-          <a:bodyPr wrap="square" lIns="91425" tIns="91425" rIns="91425" bIns="91425" anchor="t" anchorCtr="0">
-            <a:noAutofit/>
-          </a:bodyPr>
-          <a:lstStyle/>
-          <a:p>
-            <a:pPr lvl="0">
-              <a:spcBef>
-                <a:spcPts val="0"/>
-              </a:spcBef>
-              <a:buNone/>
-            </a:pPr>
-            <a:endParaRPr/>
-          </a:p>
-        </p:txBody>
-      </p:sp>
-    </p:spTree>
-    <p:extLst>
-      <p:ext uri="{BB962C8B-B14F-4D97-AF65-F5344CB8AC3E}">
-        <p14:creationId xmlns:p14="http://schemas.microsoft.com/office/powerpoint/2010/main" val="1968124848"/>
-      </p:ext>
-    </p:extLst>
-  </p:cSld>
-  <p:clrMapOvr>
-    <a:masterClrMapping/>
-  </p:clrMapOvr>
-</p:notes>
-</file>
-
 <file path=ppt/notesSlides/notesSlide2.xml><?xml version="1.0" encoding="utf-8"?>
 <p:notes xmlns:a="http://schemas.openxmlformats.org/drawingml/2006/main" xmlns:r="http://schemas.openxmlformats.org/officeDocument/2006/relationships" xmlns:p="http://schemas.openxmlformats.org/presentationml/2006/main" showMasterSp="0" showMasterPhAnim="0">
   <p:cSld>
@@ -832,7 +758,7 @@
     </p:spTree>
     <p:extLst>
       <p:ext uri="{BB962C8B-B14F-4D97-AF65-F5344CB8AC3E}">
-        <p14:creationId xmlns:p14="http://schemas.microsoft.com/office/powerpoint/2010/main" val="2029323529"/>
+        <p14:creationId xmlns:p14="http://schemas.microsoft.com/office/powerpoint/2010/main" val="534092164"/>
       </p:ext>
     </p:extLst>
   </p:cSld>
@@ -938,7 +864,7 @@
     </p:spTree>
     <p:extLst>
       <p:ext uri="{BB962C8B-B14F-4D97-AF65-F5344CB8AC3E}">
-        <p14:creationId xmlns:p14="http://schemas.microsoft.com/office/powerpoint/2010/main" val="4252124549"/>
+        <p14:creationId xmlns:p14="http://schemas.microsoft.com/office/powerpoint/2010/main" val="2005601734"/>
       </p:ext>
     </p:extLst>
   </p:cSld>
@@ -1044,7 +970,7 @@
     </p:spTree>
     <p:extLst>
       <p:ext uri="{BB962C8B-B14F-4D97-AF65-F5344CB8AC3E}">
-        <p14:creationId xmlns:p14="http://schemas.microsoft.com/office/powerpoint/2010/main" val="2885282693"/>
+        <p14:creationId xmlns:p14="http://schemas.microsoft.com/office/powerpoint/2010/main" val="295748458"/>
       </p:ext>
     </p:extLst>
   </p:cSld>
@@ -1150,7 +1076,7 @@
     </p:spTree>
     <p:extLst>
       <p:ext uri="{BB962C8B-B14F-4D97-AF65-F5344CB8AC3E}">
-        <p14:creationId xmlns:p14="http://schemas.microsoft.com/office/powerpoint/2010/main" val="534092164"/>
+        <p14:creationId xmlns:p14="http://schemas.microsoft.com/office/powerpoint/2010/main" val="3016257442"/>
       </p:ext>
     </p:extLst>
   </p:cSld>
@@ -1256,7 +1182,7 @@
     </p:spTree>
     <p:extLst>
       <p:ext uri="{BB962C8B-B14F-4D97-AF65-F5344CB8AC3E}">
-        <p14:creationId xmlns:p14="http://schemas.microsoft.com/office/powerpoint/2010/main" val="2005601734"/>
+        <p14:creationId xmlns:p14="http://schemas.microsoft.com/office/powerpoint/2010/main" val="496921649"/>
       </p:ext>
     </p:extLst>
   </p:cSld>
@@ -1362,219 +1288,7 @@
     </p:spTree>
     <p:extLst>
       <p:ext uri="{BB962C8B-B14F-4D97-AF65-F5344CB8AC3E}">
-        <p14:creationId xmlns:p14="http://schemas.microsoft.com/office/powerpoint/2010/main" val="295748458"/>
-      </p:ext>
-    </p:extLst>
-  </p:cSld>
-  <p:clrMapOvr>
-    <a:masterClrMapping/>
-  </p:clrMapOvr>
-</p:notes>
-</file>
-
-<file path=ppt/notesSlides/notesSlide8.xml><?xml version="1.0" encoding="utf-8"?>
-<p:notes xmlns:a="http://schemas.openxmlformats.org/drawingml/2006/main" xmlns:r="http://schemas.openxmlformats.org/officeDocument/2006/relationships" xmlns:p="http://schemas.openxmlformats.org/presentationml/2006/main" showMasterSp="0" showMasterPhAnim="0">
-  <p:cSld>
-    <p:spTree>
-      <p:nvGrpSpPr>
-        <p:cNvPr id="1" name="Shape 232"/>
-        <p:cNvGrpSpPr/>
-        <p:nvPr/>
-      </p:nvGrpSpPr>
-      <p:grpSpPr>
-        <a:xfrm>
-          <a:off x="0" y="0"/>
-          <a:ext cx="0" cy="0"/>
-          <a:chOff x="0" y="0"/>
-          <a:chExt cx="0" cy="0"/>
-        </a:xfrm>
-      </p:grpSpPr>
-      <p:sp>
-        <p:nvSpPr>
-          <p:cNvPr id="233" name="Shape 233"/>
-          <p:cNvSpPr>
-            <a:spLocks noGrp="1" noRot="1" noChangeAspect="1"/>
-          </p:cNvSpPr>
-          <p:nvPr>
-            <p:ph type="sldImg" idx="2"/>
-          </p:nvPr>
-        </p:nvSpPr>
-        <p:spPr>
-          <a:xfrm>
-            <a:off x="381000" y="685800"/>
-            <a:ext cx="6096000" cy="3429000"/>
-          </a:xfrm>
-          <a:custGeom>
-            <a:avLst/>
-            <a:gdLst/>
-            <a:ahLst/>
-            <a:cxnLst/>
-            <a:rect l="0" t="0" r="0" b="0"/>
-            <a:pathLst>
-              <a:path w="120000" h="120000" extrusionOk="0">
-                <a:moveTo>
-                  <a:pt x="0" y="0"/>
-                </a:moveTo>
-                <a:lnTo>
-                  <a:pt x="120000" y="0"/>
-                </a:lnTo>
-                <a:lnTo>
-                  <a:pt x="120000" y="120000"/>
-                </a:lnTo>
-                <a:lnTo>
-                  <a:pt x="0" y="120000"/>
-                </a:lnTo>
-                <a:close/>
-              </a:path>
-            </a:pathLst>
-          </a:custGeom>
-        </p:spPr>
-      </p:sp>
-      <p:sp>
-        <p:nvSpPr>
-          <p:cNvPr id="234" name="Shape 234"/>
-          <p:cNvSpPr txBox="1">
-            <a:spLocks noGrp="1"/>
-          </p:cNvSpPr>
-          <p:nvPr>
-            <p:ph type="body" idx="1"/>
-          </p:nvPr>
-        </p:nvSpPr>
-        <p:spPr>
-          <a:xfrm>
-            <a:off x="685800" y="4343400"/>
-            <a:ext cx="5486400" cy="4114800"/>
-          </a:xfrm>
-          <a:prstGeom prst="rect">
-            <a:avLst/>
-          </a:prstGeom>
-        </p:spPr>
-        <p:txBody>
-          <a:bodyPr wrap="square" lIns="91425" tIns="91425" rIns="91425" bIns="91425" anchor="t" anchorCtr="0">
-            <a:noAutofit/>
-          </a:bodyPr>
-          <a:lstStyle/>
-          <a:p>
-            <a:pPr lvl="0">
-              <a:spcBef>
-                <a:spcPts val="0"/>
-              </a:spcBef>
-              <a:buNone/>
-            </a:pPr>
-            <a:endParaRPr/>
-          </a:p>
-        </p:txBody>
-      </p:sp>
-    </p:spTree>
-    <p:extLst>
-      <p:ext uri="{BB962C8B-B14F-4D97-AF65-F5344CB8AC3E}">
-        <p14:creationId xmlns:p14="http://schemas.microsoft.com/office/powerpoint/2010/main" val="3016257442"/>
-      </p:ext>
-    </p:extLst>
-  </p:cSld>
-  <p:clrMapOvr>
-    <a:masterClrMapping/>
-  </p:clrMapOvr>
-</p:notes>
-</file>
-
-<file path=ppt/notesSlides/notesSlide9.xml><?xml version="1.0" encoding="utf-8"?>
-<p:notes xmlns:a="http://schemas.openxmlformats.org/drawingml/2006/main" xmlns:r="http://schemas.openxmlformats.org/officeDocument/2006/relationships" xmlns:p="http://schemas.openxmlformats.org/presentationml/2006/main" showMasterSp="0" showMasterPhAnim="0">
-  <p:cSld>
-    <p:spTree>
-      <p:nvGrpSpPr>
-        <p:cNvPr id="1" name="Shape 232"/>
-        <p:cNvGrpSpPr/>
-        <p:nvPr/>
-      </p:nvGrpSpPr>
-      <p:grpSpPr>
-        <a:xfrm>
-          <a:off x="0" y="0"/>
-          <a:ext cx="0" cy="0"/>
-          <a:chOff x="0" y="0"/>
-          <a:chExt cx="0" cy="0"/>
-        </a:xfrm>
-      </p:grpSpPr>
-      <p:sp>
-        <p:nvSpPr>
-          <p:cNvPr id="233" name="Shape 233"/>
-          <p:cNvSpPr>
-            <a:spLocks noGrp="1" noRot="1" noChangeAspect="1"/>
-          </p:cNvSpPr>
-          <p:nvPr>
-            <p:ph type="sldImg" idx="2"/>
-          </p:nvPr>
-        </p:nvSpPr>
-        <p:spPr>
-          <a:xfrm>
-            <a:off x="381000" y="685800"/>
-            <a:ext cx="6096000" cy="3429000"/>
-          </a:xfrm>
-          <a:custGeom>
-            <a:avLst/>
-            <a:gdLst/>
-            <a:ahLst/>
-            <a:cxnLst/>
-            <a:rect l="0" t="0" r="0" b="0"/>
-            <a:pathLst>
-              <a:path w="120000" h="120000" extrusionOk="0">
-                <a:moveTo>
-                  <a:pt x="0" y="0"/>
-                </a:moveTo>
-                <a:lnTo>
-                  <a:pt x="120000" y="0"/>
-                </a:lnTo>
-                <a:lnTo>
-                  <a:pt x="120000" y="120000"/>
-                </a:lnTo>
-                <a:lnTo>
-                  <a:pt x="0" y="120000"/>
-                </a:lnTo>
-                <a:close/>
-              </a:path>
-            </a:pathLst>
-          </a:custGeom>
-        </p:spPr>
-      </p:sp>
-      <p:sp>
-        <p:nvSpPr>
-          <p:cNvPr id="234" name="Shape 234"/>
-          <p:cNvSpPr txBox="1">
-            <a:spLocks noGrp="1"/>
-          </p:cNvSpPr>
-          <p:nvPr>
-            <p:ph type="body" idx="1"/>
-          </p:nvPr>
-        </p:nvSpPr>
-        <p:spPr>
-          <a:xfrm>
-            <a:off x="685800" y="4343400"/>
-            <a:ext cx="5486400" cy="4114800"/>
-          </a:xfrm>
-          <a:prstGeom prst="rect">
-            <a:avLst/>
-          </a:prstGeom>
-        </p:spPr>
-        <p:txBody>
-          <a:bodyPr wrap="square" lIns="91425" tIns="91425" rIns="91425" bIns="91425" anchor="t" anchorCtr="0">
-            <a:noAutofit/>
-          </a:bodyPr>
-          <a:lstStyle/>
-          <a:p>
-            <a:pPr lvl="0">
-              <a:spcBef>
-                <a:spcPts val="0"/>
-              </a:spcBef>
-              <a:buNone/>
-            </a:pPr>
-            <a:endParaRPr/>
-          </a:p>
-        </p:txBody>
-      </p:sp>
-    </p:spTree>
-    <p:extLst>
-      <p:ext uri="{BB962C8B-B14F-4D97-AF65-F5344CB8AC3E}">
-        <p14:creationId xmlns:p14="http://schemas.microsoft.com/office/powerpoint/2010/main" val="496921649"/>
+        <p14:creationId xmlns:p14="http://schemas.microsoft.com/office/powerpoint/2010/main" val="1968124848"/>
       </p:ext>
     </p:extLst>
   </p:cSld>
@@ -4265,7 +3979,870 @@
 </p:sld>
 </file>
 
-<file path=ppt/slides/slide10.xml><?xml version="1.0" encoding="utf-8"?>
+<file path=ppt/slides/slide2.xml><?xml version="1.0" encoding="utf-8"?>
+<p:sld xmlns:a="http://schemas.openxmlformats.org/drawingml/2006/main" xmlns:r="http://schemas.openxmlformats.org/officeDocument/2006/relationships" xmlns:p="http://schemas.openxmlformats.org/presentationml/2006/main">
+  <p:cSld>
+    <p:spTree>
+      <p:nvGrpSpPr>
+        <p:cNvPr id="1" name="Shape 235"/>
+        <p:cNvGrpSpPr/>
+        <p:nvPr/>
+      </p:nvGrpSpPr>
+      <p:grpSpPr>
+        <a:xfrm>
+          <a:off x="0" y="0"/>
+          <a:ext cx="0" cy="0"/>
+          <a:chOff x="0" y="0"/>
+          <a:chExt cx="0" cy="0"/>
+        </a:xfrm>
+      </p:grpSpPr>
+      <p:sp>
+        <p:nvSpPr>
+          <p:cNvPr id="236" name="Shape 236"/>
+          <p:cNvSpPr txBox="1">
+            <a:spLocks noGrp="1"/>
+          </p:cNvSpPr>
+          <p:nvPr>
+            <p:ph type="title"/>
+          </p:nvPr>
+        </p:nvSpPr>
+        <p:spPr>
+          <a:xfrm>
+            <a:off x="814275" y="392575"/>
+            <a:ext cx="5492400" cy="766200"/>
+          </a:xfrm>
+          <a:prstGeom prst="rect">
+            <a:avLst/>
+          </a:prstGeom>
+        </p:spPr>
+        <p:txBody>
+          <a:bodyPr wrap="square" lIns="91425" tIns="91425" rIns="91425" bIns="91425" anchor="ctr" anchorCtr="0">
+            <a:noAutofit/>
+          </a:bodyPr>
+          <a:lstStyle/>
+          <a:p>
+            <a:pPr marL="76200" lvl="0">
+              <a:spcAft>
+                <a:spcPts val="1000"/>
+              </a:spcAft>
+            </a:pPr>
+            <a:r>
+              <a:rPr lang="de-DE" dirty="0"/>
+              <a:t>IM COMPUTER</a:t>
+            </a:r>
+            <a:endParaRPr lang="en" dirty="0"/>
+          </a:p>
+        </p:txBody>
+      </p:sp>
+      <p:sp>
+        <p:nvSpPr>
+          <p:cNvPr id="237" name="Shape 237"/>
+          <p:cNvSpPr txBox="1">
+            <a:spLocks noGrp="1"/>
+          </p:cNvSpPr>
+          <p:nvPr>
+            <p:ph type="body" idx="1"/>
+          </p:nvPr>
+        </p:nvSpPr>
+        <p:spPr>
+          <a:xfrm>
+            <a:off x="814274" y="1327350"/>
+            <a:ext cx="6803725" cy="3145500"/>
+          </a:xfrm>
+          <a:prstGeom prst="rect">
+            <a:avLst/>
+          </a:prstGeom>
+        </p:spPr>
+        <p:txBody>
+          <a:bodyPr wrap="square" lIns="91425" tIns="91425" rIns="91425" bIns="91425" anchor="ctr" anchorCtr="0">
+            <a:noAutofit/>
+          </a:bodyPr>
+          <a:lstStyle/>
+          <a:p>
+            <a:pPr marL="457200" lvl="0" indent="-381000">
+              <a:buFont typeface="Arial" panose="020B0604020202020204" pitchFamily="34" charset="0"/>
+              <a:buChar char="•"/>
+            </a:pPr>
+            <a:r>
+              <a:rPr lang="de-DE" dirty="0"/>
+              <a:t>Dazwischen liegen die „versteckten“ Hidden </a:t>
+            </a:r>
+            <a:r>
+              <a:rPr lang="de-DE" dirty="0" err="1"/>
+              <a:t>Layers</a:t>
+            </a:r>
+            <a:endParaRPr lang="de-DE" dirty="0"/>
+          </a:p>
+          <a:p>
+            <a:pPr marL="457200" lvl="0" indent="-381000">
+              <a:buFont typeface="Arial" panose="020B0604020202020204" pitchFamily="34" charset="0"/>
+              <a:buChar char="•"/>
+            </a:pPr>
+            <a:endParaRPr lang="de-DE" dirty="0"/>
+          </a:p>
+          <a:p>
+            <a:pPr marL="457200" lvl="0" indent="-381000">
+              <a:buFont typeface="Arial" panose="020B0604020202020204" pitchFamily="34" charset="0"/>
+              <a:buChar char="•"/>
+            </a:pPr>
+            <a:endParaRPr lang="de-DE" dirty="0"/>
+          </a:p>
+          <a:p>
+            <a:pPr marL="457200" lvl="0" indent="-381000">
+              <a:buFont typeface="Arial" panose="020B0604020202020204" pitchFamily="34" charset="0"/>
+              <a:buChar char="•"/>
+            </a:pPr>
+            <a:endParaRPr lang="de-DE" dirty="0"/>
+          </a:p>
+        </p:txBody>
+      </p:sp>
+      <p:sp>
+        <p:nvSpPr>
+          <p:cNvPr id="238" name="Shape 238"/>
+          <p:cNvSpPr txBox="1">
+            <a:spLocks noGrp="1"/>
+          </p:cNvSpPr>
+          <p:nvPr>
+            <p:ph type="sldNum" idx="12"/>
+          </p:nvPr>
+        </p:nvSpPr>
+        <p:spPr>
+          <a:xfrm>
+            <a:off x="7618000" y="4636500"/>
+            <a:ext cx="1487400" cy="315600"/>
+          </a:xfrm>
+          <a:prstGeom prst="rect">
+            <a:avLst/>
+          </a:prstGeom>
+        </p:spPr>
+        <p:txBody>
+          <a:bodyPr wrap="square" lIns="91425" tIns="91425" rIns="91425" bIns="91425" anchor="ctr" anchorCtr="0">
+            <a:noAutofit/>
+          </a:bodyPr>
+          <a:lstStyle/>
+          <a:p>
+            <a:pPr lvl="0">
+              <a:spcBef>
+                <a:spcPts val="0"/>
+              </a:spcBef>
+              <a:buNone/>
+            </a:pPr>
+            <a:fld id="{00000000-1234-1234-1234-123412341234}" type="slidenum">
+              <a:rPr lang="en"/>
+              <a:t>2</a:t>
+            </a:fld>
+            <a:endParaRPr lang="en"/>
+          </a:p>
+        </p:txBody>
+      </p:sp>
+      <p:pic>
+        <p:nvPicPr>
+          <p:cNvPr id="4" name="Grafik 3">
+            <a:extLst>
+              <a:ext uri="{FF2B5EF4-FFF2-40B4-BE49-F238E27FC236}">
+                <a16:creationId xmlns:a16="http://schemas.microsoft.com/office/drawing/2014/main" id="{3A56B4C5-3DB5-4542-A9A9-1E178A05242D}"/>
+              </a:ext>
+            </a:extLst>
+          </p:cNvPr>
+          <p:cNvPicPr>
+            <a:picLocks noChangeAspect="1"/>
+          </p:cNvPicPr>
+          <p:nvPr/>
+        </p:nvPicPr>
+        <p:blipFill>
+          <a:blip r:embed="rId3"/>
+          <a:stretch>
+            <a:fillRect/>
+          </a:stretch>
+        </p:blipFill>
+        <p:spPr>
+          <a:xfrm>
+            <a:off x="1274475" y="2571750"/>
+            <a:ext cx="4572000" cy="2247461"/>
+          </a:xfrm>
+          <a:prstGeom prst="rect">
+            <a:avLst/>
+          </a:prstGeom>
+        </p:spPr>
+      </p:pic>
+      <p:sp>
+        <p:nvSpPr>
+          <p:cNvPr id="6" name="Rechteck 5">
+            <a:extLst>
+              <a:ext uri="{FF2B5EF4-FFF2-40B4-BE49-F238E27FC236}">
+                <a16:creationId xmlns:a16="http://schemas.microsoft.com/office/drawing/2014/main" id="{96037404-75FD-42F8-A517-59D3E0D74690}"/>
+              </a:ext>
+            </a:extLst>
+          </p:cNvPr>
+          <p:cNvSpPr/>
+          <p:nvPr/>
+        </p:nvSpPr>
+        <p:spPr>
+          <a:xfrm>
+            <a:off x="3184934" y="2585926"/>
+            <a:ext cx="623455" cy="2247461"/>
+          </a:xfrm>
+          <a:prstGeom prst="rect">
+            <a:avLst/>
+          </a:prstGeom>
+          <a:noFill/>
+          <a:ln w="38100">
+            <a:solidFill>
+              <a:srgbClr val="FF0000"/>
+            </a:solidFill>
+          </a:ln>
+        </p:spPr>
+        <p:style>
+          <a:lnRef idx="2">
+            <a:schemeClr val="accent1">
+              <a:shade val="50000"/>
+            </a:schemeClr>
+          </a:lnRef>
+          <a:fillRef idx="1">
+            <a:schemeClr val="accent1"/>
+          </a:fillRef>
+          <a:effectRef idx="0">
+            <a:schemeClr val="accent1"/>
+          </a:effectRef>
+          <a:fontRef idx="minor">
+            <a:schemeClr val="lt1"/>
+          </a:fontRef>
+        </p:style>
+        <p:txBody>
+          <a:bodyPr rtlCol="0" anchor="ctr"/>
+          <a:lstStyle/>
+          <a:p>
+            <a:pPr algn="ctr"/>
+            <a:endParaRPr lang="de-DE"/>
+          </a:p>
+        </p:txBody>
+      </p:sp>
+    </p:spTree>
+    <p:extLst>
+      <p:ext uri="{BB962C8B-B14F-4D97-AF65-F5344CB8AC3E}">
+        <p14:creationId xmlns:p14="http://schemas.microsoft.com/office/powerpoint/2010/main" val="2487286590"/>
+      </p:ext>
+    </p:extLst>
+  </p:cSld>
+  <p:clrMapOvr>
+    <a:masterClrMapping/>
+  </p:clrMapOvr>
+</p:sld>
+</file>
+
+<file path=ppt/slides/slide3.xml><?xml version="1.0" encoding="utf-8"?>
+<p:sld xmlns:a="http://schemas.openxmlformats.org/drawingml/2006/main" xmlns:r="http://schemas.openxmlformats.org/officeDocument/2006/relationships" xmlns:p="http://schemas.openxmlformats.org/presentationml/2006/main">
+  <p:cSld>
+    <p:spTree>
+      <p:nvGrpSpPr>
+        <p:cNvPr id="1" name="Shape 235"/>
+        <p:cNvGrpSpPr/>
+        <p:nvPr/>
+      </p:nvGrpSpPr>
+      <p:grpSpPr>
+        <a:xfrm>
+          <a:off x="0" y="0"/>
+          <a:ext cx="0" cy="0"/>
+          <a:chOff x="0" y="0"/>
+          <a:chExt cx="0" cy="0"/>
+        </a:xfrm>
+      </p:grpSpPr>
+      <p:sp>
+        <p:nvSpPr>
+          <p:cNvPr id="236" name="Shape 236"/>
+          <p:cNvSpPr txBox="1">
+            <a:spLocks noGrp="1"/>
+          </p:cNvSpPr>
+          <p:nvPr>
+            <p:ph type="title"/>
+          </p:nvPr>
+        </p:nvSpPr>
+        <p:spPr>
+          <a:xfrm>
+            <a:off x="814275" y="392575"/>
+            <a:ext cx="5492400" cy="766200"/>
+          </a:xfrm>
+          <a:prstGeom prst="rect">
+            <a:avLst/>
+          </a:prstGeom>
+        </p:spPr>
+        <p:txBody>
+          <a:bodyPr wrap="square" lIns="91425" tIns="91425" rIns="91425" bIns="91425" anchor="ctr" anchorCtr="0">
+            <a:noAutofit/>
+          </a:bodyPr>
+          <a:lstStyle/>
+          <a:p>
+            <a:pPr marL="76200" lvl="0">
+              <a:spcAft>
+                <a:spcPts val="1000"/>
+              </a:spcAft>
+            </a:pPr>
+            <a:r>
+              <a:rPr lang="de-DE" dirty="0"/>
+              <a:t>AKTIVIERUNGSFUNKTION – STEP FUNCTION</a:t>
+            </a:r>
+            <a:endParaRPr lang="en" dirty="0"/>
+          </a:p>
+        </p:txBody>
+      </p:sp>
+      <p:sp>
+        <p:nvSpPr>
+          <p:cNvPr id="238" name="Shape 238"/>
+          <p:cNvSpPr txBox="1">
+            <a:spLocks noGrp="1"/>
+          </p:cNvSpPr>
+          <p:nvPr>
+            <p:ph type="sldNum" idx="12"/>
+          </p:nvPr>
+        </p:nvSpPr>
+        <p:spPr>
+          <a:xfrm>
+            <a:off x="7618000" y="4636500"/>
+            <a:ext cx="1487400" cy="315600"/>
+          </a:xfrm>
+          <a:prstGeom prst="rect">
+            <a:avLst/>
+          </a:prstGeom>
+        </p:spPr>
+        <p:txBody>
+          <a:bodyPr wrap="square" lIns="91425" tIns="91425" rIns="91425" bIns="91425" anchor="ctr" anchorCtr="0">
+            <a:noAutofit/>
+          </a:bodyPr>
+          <a:lstStyle/>
+          <a:p>
+            <a:pPr lvl="0">
+              <a:spcBef>
+                <a:spcPts val="0"/>
+              </a:spcBef>
+              <a:buNone/>
+            </a:pPr>
+            <a:fld id="{00000000-1234-1234-1234-123412341234}" type="slidenum">
+              <a:rPr lang="en"/>
+              <a:t>3</a:t>
+            </a:fld>
+            <a:endParaRPr lang="en"/>
+          </a:p>
+        </p:txBody>
+      </p:sp>
+      <p:pic>
+        <p:nvPicPr>
+          <p:cNvPr id="4" name="Grafik 3">
+            <a:extLst>
+              <a:ext uri="{FF2B5EF4-FFF2-40B4-BE49-F238E27FC236}">
+                <a16:creationId xmlns:a16="http://schemas.microsoft.com/office/drawing/2014/main" id="{E120D0B4-00D4-48CC-A848-8C517C486122}"/>
+              </a:ext>
+            </a:extLst>
+          </p:cNvPr>
+          <p:cNvPicPr>
+            <a:picLocks noChangeAspect="1"/>
+          </p:cNvPicPr>
+          <p:nvPr/>
+        </p:nvPicPr>
+        <p:blipFill>
+          <a:blip r:embed="rId3"/>
+          <a:stretch>
+            <a:fillRect/>
+          </a:stretch>
+        </p:blipFill>
+        <p:spPr>
+          <a:xfrm>
+            <a:off x="954798" y="1425822"/>
+            <a:ext cx="4956904" cy="3717678"/>
+          </a:xfrm>
+          <a:prstGeom prst="rect">
+            <a:avLst/>
+          </a:prstGeom>
+        </p:spPr>
+      </p:pic>
+    </p:spTree>
+    <p:extLst>
+      <p:ext uri="{BB962C8B-B14F-4D97-AF65-F5344CB8AC3E}">
+        <p14:creationId xmlns:p14="http://schemas.microsoft.com/office/powerpoint/2010/main" val="3786252059"/>
+      </p:ext>
+    </p:extLst>
+  </p:cSld>
+  <p:clrMapOvr>
+    <a:masterClrMapping/>
+  </p:clrMapOvr>
+</p:sld>
+</file>
+
+<file path=ppt/slides/slide4.xml><?xml version="1.0" encoding="utf-8"?>
+<p:sld xmlns:a="http://schemas.openxmlformats.org/drawingml/2006/main" xmlns:r="http://schemas.openxmlformats.org/officeDocument/2006/relationships" xmlns:p="http://schemas.openxmlformats.org/presentationml/2006/main">
+  <p:cSld>
+    <p:spTree>
+      <p:nvGrpSpPr>
+        <p:cNvPr id="1" name="Shape 235"/>
+        <p:cNvGrpSpPr/>
+        <p:nvPr/>
+      </p:nvGrpSpPr>
+      <p:grpSpPr>
+        <a:xfrm>
+          <a:off x="0" y="0"/>
+          <a:ext cx="0" cy="0"/>
+          <a:chOff x="0" y="0"/>
+          <a:chExt cx="0" cy="0"/>
+        </a:xfrm>
+      </p:grpSpPr>
+      <p:sp>
+        <p:nvSpPr>
+          <p:cNvPr id="236" name="Shape 236"/>
+          <p:cNvSpPr txBox="1">
+            <a:spLocks noGrp="1"/>
+          </p:cNvSpPr>
+          <p:nvPr>
+            <p:ph type="title"/>
+          </p:nvPr>
+        </p:nvSpPr>
+        <p:spPr>
+          <a:xfrm>
+            <a:off x="814275" y="392575"/>
+            <a:ext cx="5492400" cy="766200"/>
+          </a:xfrm>
+          <a:prstGeom prst="rect">
+            <a:avLst/>
+          </a:prstGeom>
+        </p:spPr>
+        <p:txBody>
+          <a:bodyPr wrap="square" lIns="91425" tIns="91425" rIns="91425" bIns="91425" anchor="ctr" anchorCtr="0">
+            <a:noAutofit/>
+          </a:bodyPr>
+          <a:lstStyle/>
+          <a:p>
+            <a:pPr marL="76200" lvl="0">
+              <a:spcAft>
+                <a:spcPts val="1000"/>
+              </a:spcAft>
+            </a:pPr>
+            <a:r>
+              <a:rPr lang="de-DE" dirty="0"/>
+              <a:t>AKTIVIERUNGSFUNKTION – RELU FUNCTION</a:t>
+            </a:r>
+            <a:endParaRPr lang="en" dirty="0"/>
+          </a:p>
+        </p:txBody>
+      </p:sp>
+      <p:sp>
+        <p:nvSpPr>
+          <p:cNvPr id="238" name="Shape 238"/>
+          <p:cNvSpPr txBox="1">
+            <a:spLocks noGrp="1"/>
+          </p:cNvSpPr>
+          <p:nvPr>
+            <p:ph type="sldNum" idx="12"/>
+          </p:nvPr>
+        </p:nvSpPr>
+        <p:spPr>
+          <a:xfrm>
+            <a:off x="7618000" y="4636500"/>
+            <a:ext cx="1487400" cy="315600"/>
+          </a:xfrm>
+          <a:prstGeom prst="rect">
+            <a:avLst/>
+          </a:prstGeom>
+        </p:spPr>
+        <p:txBody>
+          <a:bodyPr wrap="square" lIns="91425" tIns="91425" rIns="91425" bIns="91425" anchor="ctr" anchorCtr="0">
+            <a:noAutofit/>
+          </a:bodyPr>
+          <a:lstStyle/>
+          <a:p>
+            <a:pPr lvl="0">
+              <a:spcBef>
+                <a:spcPts val="0"/>
+              </a:spcBef>
+              <a:buNone/>
+            </a:pPr>
+            <a:fld id="{00000000-1234-1234-1234-123412341234}" type="slidenum">
+              <a:rPr lang="en"/>
+              <a:t>4</a:t>
+            </a:fld>
+            <a:endParaRPr lang="en"/>
+          </a:p>
+        </p:txBody>
+      </p:sp>
+      <p:pic>
+        <p:nvPicPr>
+          <p:cNvPr id="3" name="Grafik 2">
+            <a:extLst>
+              <a:ext uri="{FF2B5EF4-FFF2-40B4-BE49-F238E27FC236}">
+                <a16:creationId xmlns:a16="http://schemas.microsoft.com/office/drawing/2014/main" id="{766FDBDE-2D22-4A23-AF02-2BC1B35CE7E5}"/>
+              </a:ext>
+            </a:extLst>
+          </p:cNvPr>
+          <p:cNvPicPr>
+            <a:picLocks noChangeAspect="1"/>
+          </p:cNvPicPr>
+          <p:nvPr/>
+        </p:nvPicPr>
+        <p:blipFill>
+          <a:blip r:embed="rId3"/>
+          <a:stretch>
+            <a:fillRect/>
+          </a:stretch>
+        </p:blipFill>
+        <p:spPr>
+          <a:xfrm>
+            <a:off x="912267" y="1354051"/>
+            <a:ext cx="5052598" cy="3789449"/>
+          </a:xfrm>
+          <a:prstGeom prst="rect">
+            <a:avLst/>
+          </a:prstGeom>
+        </p:spPr>
+      </p:pic>
+    </p:spTree>
+    <p:extLst>
+      <p:ext uri="{BB962C8B-B14F-4D97-AF65-F5344CB8AC3E}">
+        <p14:creationId xmlns:p14="http://schemas.microsoft.com/office/powerpoint/2010/main" val="1445023388"/>
+      </p:ext>
+    </p:extLst>
+  </p:cSld>
+  <p:clrMapOvr>
+    <a:masterClrMapping/>
+  </p:clrMapOvr>
+</p:sld>
+</file>
+
+<file path=ppt/slides/slide5.xml><?xml version="1.0" encoding="utf-8"?>
+<p:sld xmlns:a="http://schemas.openxmlformats.org/drawingml/2006/main" xmlns:r="http://schemas.openxmlformats.org/officeDocument/2006/relationships" xmlns:p="http://schemas.openxmlformats.org/presentationml/2006/main">
+  <p:cSld>
+    <p:spTree>
+      <p:nvGrpSpPr>
+        <p:cNvPr id="1" name="Shape 235"/>
+        <p:cNvGrpSpPr/>
+        <p:nvPr/>
+      </p:nvGrpSpPr>
+      <p:grpSpPr>
+        <a:xfrm>
+          <a:off x="0" y="0"/>
+          <a:ext cx="0" cy="0"/>
+          <a:chOff x="0" y="0"/>
+          <a:chExt cx="0" cy="0"/>
+        </a:xfrm>
+      </p:grpSpPr>
+      <p:sp>
+        <p:nvSpPr>
+          <p:cNvPr id="236" name="Shape 236"/>
+          <p:cNvSpPr txBox="1">
+            <a:spLocks noGrp="1"/>
+          </p:cNvSpPr>
+          <p:nvPr>
+            <p:ph type="title"/>
+          </p:nvPr>
+        </p:nvSpPr>
+        <p:spPr>
+          <a:xfrm>
+            <a:off x="814275" y="392575"/>
+            <a:ext cx="5492400" cy="766200"/>
+          </a:xfrm>
+          <a:prstGeom prst="rect">
+            <a:avLst/>
+          </a:prstGeom>
+        </p:spPr>
+        <p:txBody>
+          <a:bodyPr wrap="square" lIns="91425" tIns="91425" rIns="91425" bIns="91425" anchor="ctr" anchorCtr="0">
+            <a:noAutofit/>
+          </a:bodyPr>
+          <a:lstStyle/>
+          <a:p>
+            <a:pPr marL="76200" lvl="0">
+              <a:spcAft>
+                <a:spcPts val="1000"/>
+              </a:spcAft>
+            </a:pPr>
+            <a:r>
+              <a:rPr lang="de-DE" dirty="0"/>
+              <a:t>DAS ZIEL</a:t>
+            </a:r>
+            <a:endParaRPr lang="en" dirty="0"/>
+          </a:p>
+        </p:txBody>
+      </p:sp>
+      <p:sp>
+        <p:nvSpPr>
+          <p:cNvPr id="237" name="Shape 237"/>
+          <p:cNvSpPr txBox="1">
+            <a:spLocks noGrp="1"/>
+          </p:cNvSpPr>
+          <p:nvPr>
+            <p:ph type="body" idx="1"/>
+          </p:nvPr>
+        </p:nvSpPr>
+        <p:spPr>
+          <a:xfrm>
+            <a:off x="814274" y="1327350"/>
+            <a:ext cx="6803725" cy="3145500"/>
+          </a:xfrm>
+          <a:prstGeom prst="rect">
+            <a:avLst/>
+          </a:prstGeom>
+        </p:spPr>
+        <p:txBody>
+          <a:bodyPr wrap="square" lIns="91425" tIns="91425" rIns="91425" bIns="91425" anchor="ctr" anchorCtr="0">
+            <a:noAutofit/>
+          </a:bodyPr>
+          <a:lstStyle/>
+          <a:p>
+            <a:pPr marL="457200" lvl="0" indent="-381000">
+              <a:buFont typeface="Arial" panose="020B0604020202020204" pitchFamily="34" charset="0"/>
+              <a:buChar char="•"/>
+            </a:pPr>
+            <a:r>
+              <a:rPr lang="de-DE" dirty="0"/>
+              <a:t>Anhand der Trainingsbeispiele soll das Netz verbessert werden</a:t>
+            </a:r>
+          </a:p>
+          <a:p>
+            <a:pPr marL="457200" lvl="0" indent="-381000">
+              <a:buFont typeface="Arial" panose="020B0604020202020204" pitchFamily="34" charset="0"/>
+              <a:buChar char="•"/>
+            </a:pPr>
+            <a:r>
+              <a:rPr lang="de-DE" dirty="0"/>
+              <a:t>Die Anpassung der Gewichte ist die Vorgehensweise</a:t>
+            </a:r>
+          </a:p>
+          <a:p>
+            <a:pPr marL="457200" lvl="0" indent="-381000">
+              <a:buFont typeface="Arial" panose="020B0604020202020204" pitchFamily="34" charset="0"/>
+              <a:buChar char="•"/>
+            </a:pPr>
+            <a:r>
+              <a:rPr lang="de-DE" dirty="0"/>
+              <a:t>Eine optimale Wahl der Gewichte ist das Ziel</a:t>
+            </a:r>
+            <a:endParaRPr lang="en" dirty="0"/>
+          </a:p>
+        </p:txBody>
+      </p:sp>
+      <p:sp>
+        <p:nvSpPr>
+          <p:cNvPr id="238" name="Shape 238"/>
+          <p:cNvSpPr txBox="1">
+            <a:spLocks noGrp="1"/>
+          </p:cNvSpPr>
+          <p:nvPr>
+            <p:ph type="sldNum" idx="12"/>
+          </p:nvPr>
+        </p:nvSpPr>
+        <p:spPr>
+          <a:xfrm>
+            <a:off x="7618000" y="4636500"/>
+            <a:ext cx="1487400" cy="315600"/>
+          </a:xfrm>
+          <a:prstGeom prst="rect">
+            <a:avLst/>
+          </a:prstGeom>
+        </p:spPr>
+        <p:txBody>
+          <a:bodyPr wrap="square" lIns="91425" tIns="91425" rIns="91425" bIns="91425" anchor="ctr" anchorCtr="0">
+            <a:noAutofit/>
+          </a:bodyPr>
+          <a:lstStyle/>
+          <a:p>
+            <a:pPr lvl="0">
+              <a:spcBef>
+                <a:spcPts val="0"/>
+              </a:spcBef>
+              <a:buNone/>
+            </a:pPr>
+            <a:fld id="{00000000-1234-1234-1234-123412341234}" type="slidenum">
+              <a:rPr lang="en"/>
+              <a:t>5</a:t>
+            </a:fld>
+            <a:endParaRPr lang="en"/>
+          </a:p>
+        </p:txBody>
+      </p:sp>
+    </p:spTree>
+    <p:extLst>
+      <p:ext uri="{BB962C8B-B14F-4D97-AF65-F5344CB8AC3E}">
+        <p14:creationId xmlns:p14="http://schemas.microsoft.com/office/powerpoint/2010/main" val="815908925"/>
+      </p:ext>
+    </p:extLst>
+  </p:cSld>
+  <p:clrMapOvr>
+    <a:masterClrMapping/>
+  </p:clrMapOvr>
+</p:sld>
+</file>
+
+<file path=ppt/slides/slide6.xml><?xml version="1.0" encoding="utf-8"?>
+<p:sld xmlns:a="http://schemas.openxmlformats.org/drawingml/2006/main" xmlns:r="http://schemas.openxmlformats.org/officeDocument/2006/relationships" xmlns:p="http://schemas.openxmlformats.org/presentationml/2006/main">
+  <p:cSld>
+    <p:spTree>
+      <p:nvGrpSpPr>
+        <p:cNvPr id="1" name="Shape 235"/>
+        <p:cNvGrpSpPr/>
+        <p:nvPr/>
+      </p:nvGrpSpPr>
+      <p:grpSpPr>
+        <a:xfrm>
+          <a:off x="0" y="0"/>
+          <a:ext cx="0" cy="0"/>
+          <a:chOff x="0" y="0"/>
+          <a:chExt cx="0" cy="0"/>
+        </a:xfrm>
+      </p:grpSpPr>
+      <p:sp>
+        <p:nvSpPr>
+          <p:cNvPr id="236" name="Shape 236"/>
+          <p:cNvSpPr txBox="1">
+            <a:spLocks noGrp="1"/>
+          </p:cNvSpPr>
+          <p:nvPr>
+            <p:ph type="title"/>
+          </p:nvPr>
+        </p:nvSpPr>
+        <p:spPr>
+          <a:xfrm>
+            <a:off x="814275" y="392575"/>
+            <a:ext cx="5492400" cy="766200"/>
+          </a:xfrm>
+          <a:prstGeom prst="rect">
+            <a:avLst/>
+          </a:prstGeom>
+        </p:spPr>
+        <p:txBody>
+          <a:bodyPr wrap="square" lIns="91425" tIns="91425" rIns="91425" bIns="91425" anchor="ctr" anchorCtr="0">
+            <a:noAutofit/>
+          </a:bodyPr>
+          <a:lstStyle/>
+          <a:p>
+            <a:pPr marL="76200" lvl="0">
+              <a:spcAft>
+                <a:spcPts val="1000"/>
+              </a:spcAft>
+            </a:pPr>
+            <a:r>
+              <a:rPr lang="de-DE" dirty="0"/>
+              <a:t>DAS VORGEHEN</a:t>
+            </a:r>
+            <a:endParaRPr lang="en" dirty="0"/>
+          </a:p>
+        </p:txBody>
+      </p:sp>
+      <p:sp>
+        <p:nvSpPr>
+          <p:cNvPr id="237" name="Shape 237"/>
+          <p:cNvSpPr txBox="1">
+            <a:spLocks noGrp="1"/>
+          </p:cNvSpPr>
+          <p:nvPr>
+            <p:ph type="body" idx="1"/>
+          </p:nvPr>
+        </p:nvSpPr>
+        <p:spPr>
+          <a:xfrm>
+            <a:off x="814274" y="1327350"/>
+            <a:ext cx="6803725" cy="3145500"/>
+          </a:xfrm>
+          <a:prstGeom prst="rect">
+            <a:avLst/>
+          </a:prstGeom>
+        </p:spPr>
+        <p:txBody>
+          <a:bodyPr wrap="square" lIns="91425" tIns="91425" rIns="91425" bIns="91425" anchor="ctr" anchorCtr="0">
+            <a:noAutofit/>
+          </a:bodyPr>
+          <a:lstStyle/>
+          <a:p>
+            <a:pPr marL="457200" lvl="0" indent="-381000">
+              <a:buFont typeface="Arial" panose="020B0604020202020204" pitchFamily="34" charset="0"/>
+              <a:buChar char="•"/>
+            </a:pPr>
+            <a:r>
+              <a:rPr lang="en" dirty="0"/>
+              <a:t>Anhand der Ableitung der Fehlerfunktion im Bezug auf die einzelnen Gewichte können Rückschlüsse gezog</a:t>
+            </a:r>
+            <a:r>
+              <a:rPr lang="de-DE" dirty="0"/>
+              <a:t>en werden</a:t>
+            </a:r>
+          </a:p>
+          <a:p>
+            <a:pPr marL="457200" lvl="0" indent="-381000">
+              <a:buFont typeface="Arial" panose="020B0604020202020204" pitchFamily="34" charset="0"/>
+              <a:buChar char="•"/>
+            </a:pPr>
+            <a:r>
+              <a:rPr lang="de-DE" dirty="0"/>
+              <a:t>Das grundlegende Verfahren ist der </a:t>
+            </a:r>
+            <a:r>
+              <a:rPr lang="de-DE" dirty="0" err="1"/>
+              <a:t>Gradientenabstieg</a:t>
+            </a:r>
+            <a:r>
+              <a:rPr lang="de-DE" dirty="0"/>
+              <a:t> (Gradient </a:t>
+            </a:r>
+            <a:r>
+              <a:rPr lang="de-DE" dirty="0" err="1"/>
+              <a:t>descent</a:t>
+            </a:r>
+            <a:r>
+              <a:rPr lang="de-DE" dirty="0"/>
+              <a:t>)</a:t>
+            </a:r>
+            <a:endParaRPr lang="en" dirty="0"/>
+          </a:p>
+        </p:txBody>
+      </p:sp>
+      <p:sp>
+        <p:nvSpPr>
+          <p:cNvPr id="238" name="Shape 238"/>
+          <p:cNvSpPr txBox="1">
+            <a:spLocks noGrp="1"/>
+          </p:cNvSpPr>
+          <p:nvPr>
+            <p:ph type="sldNum" idx="12"/>
+          </p:nvPr>
+        </p:nvSpPr>
+        <p:spPr>
+          <a:xfrm>
+            <a:off x="7618000" y="4636500"/>
+            <a:ext cx="1487400" cy="315600"/>
+          </a:xfrm>
+          <a:prstGeom prst="rect">
+            <a:avLst/>
+          </a:prstGeom>
+        </p:spPr>
+        <p:txBody>
+          <a:bodyPr wrap="square" lIns="91425" tIns="91425" rIns="91425" bIns="91425" anchor="ctr" anchorCtr="0">
+            <a:noAutofit/>
+          </a:bodyPr>
+          <a:lstStyle/>
+          <a:p>
+            <a:pPr lvl="0">
+              <a:spcBef>
+                <a:spcPts val="0"/>
+              </a:spcBef>
+              <a:buNone/>
+            </a:pPr>
+            <a:fld id="{00000000-1234-1234-1234-123412341234}" type="slidenum">
+              <a:rPr lang="en"/>
+              <a:t>6</a:t>
+            </a:fld>
+            <a:endParaRPr lang="en"/>
+          </a:p>
+        </p:txBody>
+      </p:sp>
+    </p:spTree>
+    <p:extLst>
+      <p:ext uri="{BB962C8B-B14F-4D97-AF65-F5344CB8AC3E}">
+        <p14:creationId xmlns:p14="http://schemas.microsoft.com/office/powerpoint/2010/main" val="2016762171"/>
+      </p:ext>
+    </p:extLst>
+  </p:cSld>
+  <p:clrMapOvr>
+    <a:masterClrMapping/>
+  </p:clrMapOvr>
+</p:sld>
+</file>
+
+<file path=ppt/slides/slide7.xml><?xml version="1.0" encoding="utf-8"?>
 <p:sld xmlns:a="http://schemas.openxmlformats.org/drawingml/2006/main" xmlns:r="http://schemas.openxmlformats.org/officeDocument/2006/relationships" xmlns:p="http://schemas.openxmlformats.org/presentationml/2006/main">
   <p:cSld>
     <p:spTree>
@@ -4444,7 +5021,7 @@
             </a:pPr>
             <a:fld id="{00000000-1234-1234-1234-123412341234}" type="slidenum">
               <a:rPr lang="en"/>
-              <a:t>10</a:t>
+              <a:t>7</a:t>
             </a:fld>
             <a:endParaRPr lang="en"/>
           </a:p>
@@ -4454,1555 +5031,6 @@
     <p:extLst>
       <p:ext uri="{BB962C8B-B14F-4D97-AF65-F5344CB8AC3E}">
         <p14:creationId xmlns:p14="http://schemas.microsoft.com/office/powerpoint/2010/main" val="2949551828"/>
-      </p:ext>
-    </p:extLst>
-  </p:cSld>
-  <p:clrMapOvr>
-    <a:masterClrMapping/>
-  </p:clrMapOvr>
-</p:sld>
-</file>
-
-<file path=ppt/slides/slide2.xml><?xml version="1.0" encoding="utf-8"?>
-<p:sld xmlns:a="http://schemas.openxmlformats.org/drawingml/2006/main" xmlns:r="http://schemas.openxmlformats.org/officeDocument/2006/relationships" xmlns:p="http://schemas.openxmlformats.org/presentationml/2006/main">
-  <p:cSld>
-    <p:spTree>
-      <p:nvGrpSpPr>
-        <p:cNvPr id="1" name="Shape 235"/>
-        <p:cNvGrpSpPr/>
-        <p:nvPr/>
-      </p:nvGrpSpPr>
-      <p:grpSpPr>
-        <a:xfrm>
-          <a:off x="0" y="0"/>
-          <a:ext cx="0" cy="0"/>
-          <a:chOff x="0" y="0"/>
-          <a:chExt cx="0" cy="0"/>
-        </a:xfrm>
-      </p:grpSpPr>
-      <p:sp>
-        <p:nvSpPr>
-          <p:cNvPr id="236" name="Shape 236"/>
-          <p:cNvSpPr txBox="1">
-            <a:spLocks noGrp="1"/>
-          </p:cNvSpPr>
-          <p:nvPr>
-            <p:ph type="title"/>
-          </p:nvPr>
-        </p:nvSpPr>
-        <p:spPr>
-          <a:xfrm>
-            <a:off x="814275" y="392575"/>
-            <a:ext cx="5492400" cy="766200"/>
-          </a:xfrm>
-          <a:prstGeom prst="rect">
-            <a:avLst/>
-          </a:prstGeom>
-        </p:spPr>
-        <p:txBody>
-          <a:bodyPr wrap="square" lIns="91425" tIns="91425" rIns="91425" bIns="91425" anchor="ctr" anchorCtr="0">
-            <a:noAutofit/>
-          </a:bodyPr>
-          <a:lstStyle/>
-          <a:p>
-            <a:pPr marL="76200" lvl="0">
-              <a:spcAft>
-                <a:spcPts val="1000"/>
-              </a:spcAft>
-            </a:pPr>
-            <a:r>
-              <a:rPr lang="de-DE" dirty="0"/>
-              <a:t>IM COMPUTER</a:t>
-            </a:r>
-            <a:endParaRPr lang="en" dirty="0"/>
-          </a:p>
-        </p:txBody>
-      </p:sp>
-      <p:sp>
-        <p:nvSpPr>
-          <p:cNvPr id="237" name="Shape 237"/>
-          <p:cNvSpPr txBox="1">
-            <a:spLocks noGrp="1"/>
-          </p:cNvSpPr>
-          <p:nvPr>
-            <p:ph type="body" idx="1"/>
-          </p:nvPr>
-        </p:nvSpPr>
-        <p:spPr>
-          <a:xfrm>
-            <a:off x="814274" y="1327350"/>
-            <a:ext cx="6803725" cy="3145500"/>
-          </a:xfrm>
-          <a:prstGeom prst="rect">
-            <a:avLst/>
-          </a:prstGeom>
-        </p:spPr>
-        <p:txBody>
-          <a:bodyPr wrap="square" lIns="91425" tIns="91425" rIns="91425" bIns="91425" anchor="ctr" anchorCtr="0">
-            <a:noAutofit/>
-          </a:bodyPr>
-          <a:lstStyle/>
-          <a:p>
-            <a:pPr marL="457200" lvl="0" indent="-381000">
-              <a:buFont typeface="Arial" panose="020B0604020202020204" pitchFamily="34" charset="0"/>
-              <a:buChar char="•"/>
-            </a:pPr>
-            <a:r>
-              <a:rPr lang="de-DE" dirty="0"/>
-              <a:t>Neuronale Netzwerke im Computerprogramm:</a:t>
-            </a:r>
-          </a:p>
-          <a:p>
-            <a:pPr marL="457200" lvl="0" indent="-381000">
-              <a:buFont typeface="Arial" panose="020B0604020202020204" pitchFamily="34" charset="0"/>
-              <a:buChar char="•"/>
-            </a:pPr>
-            <a:endParaRPr lang="de-DE" dirty="0"/>
-          </a:p>
-          <a:p>
-            <a:pPr marL="457200" lvl="0" indent="-381000">
-              <a:buFont typeface="Arial" panose="020B0604020202020204" pitchFamily="34" charset="0"/>
-              <a:buChar char="•"/>
-            </a:pPr>
-            <a:endParaRPr lang="de-DE" dirty="0"/>
-          </a:p>
-          <a:p>
-            <a:pPr marL="457200" lvl="0" indent="-381000">
-              <a:buFont typeface="Arial" panose="020B0604020202020204" pitchFamily="34" charset="0"/>
-              <a:buChar char="•"/>
-            </a:pPr>
-            <a:endParaRPr lang="de-DE" dirty="0"/>
-          </a:p>
-        </p:txBody>
-      </p:sp>
-      <p:sp>
-        <p:nvSpPr>
-          <p:cNvPr id="238" name="Shape 238"/>
-          <p:cNvSpPr txBox="1">
-            <a:spLocks noGrp="1"/>
-          </p:cNvSpPr>
-          <p:nvPr>
-            <p:ph type="sldNum" idx="12"/>
-          </p:nvPr>
-        </p:nvSpPr>
-        <p:spPr>
-          <a:xfrm>
-            <a:off x="7618000" y="4636500"/>
-            <a:ext cx="1487400" cy="315600"/>
-          </a:xfrm>
-          <a:prstGeom prst="rect">
-            <a:avLst/>
-          </a:prstGeom>
-        </p:spPr>
-        <p:txBody>
-          <a:bodyPr wrap="square" lIns="91425" tIns="91425" rIns="91425" bIns="91425" anchor="ctr" anchorCtr="0">
-            <a:noAutofit/>
-          </a:bodyPr>
-          <a:lstStyle/>
-          <a:p>
-            <a:pPr lvl="0">
-              <a:spcBef>
-                <a:spcPts val="0"/>
-              </a:spcBef>
-              <a:buNone/>
-            </a:pPr>
-            <a:fld id="{00000000-1234-1234-1234-123412341234}" type="slidenum">
-              <a:rPr lang="en"/>
-              <a:t>2</a:t>
-            </a:fld>
-            <a:endParaRPr lang="en"/>
-          </a:p>
-        </p:txBody>
-      </p:sp>
-      <p:pic>
-        <p:nvPicPr>
-          <p:cNvPr id="4" name="Grafik 3">
-            <a:extLst>
-              <a:ext uri="{FF2B5EF4-FFF2-40B4-BE49-F238E27FC236}">
-                <a16:creationId xmlns:a16="http://schemas.microsoft.com/office/drawing/2014/main" id="{3A56B4C5-3DB5-4542-A9A9-1E178A05242D}"/>
-              </a:ext>
-            </a:extLst>
-          </p:cNvPr>
-          <p:cNvPicPr>
-            <a:picLocks noChangeAspect="1"/>
-          </p:cNvPicPr>
-          <p:nvPr/>
-        </p:nvPicPr>
-        <p:blipFill>
-          <a:blip r:embed="rId3"/>
-          <a:stretch>
-            <a:fillRect/>
-          </a:stretch>
-        </p:blipFill>
-        <p:spPr>
-          <a:xfrm>
-            <a:off x="1274475" y="2571750"/>
-            <a:ext cx="4572000" cy="2247461"/>
-          </a:xfrm>
-          <a:prstGeom prst="rect">
-            <a:avLst/>
-          </a:prstGeom>
-        </p:spPr>
-      </p:pic>
-    </p:spTree>
-    <p:extLst>
-      <p:ext uri="{BB962C8B-B14F-4D97-AF65-F5344CB8AC3E}">
-        <p14:creationId xmlns:p14="http://schemas.microsoft.com/office/powerpoint/2010/main" val="4041939925"/>
-      </p:ext>
-    </p:extLst>
-  </p:cSld>
-  <p:clrMapOvr>
-    <a:masterClrMapping/>
-  </p:clrMapOvr>
-</p:sld>
-</file>
-
-<file path=ppt/slides/slide3.xml><?xml version="1.0" encoding="utf-8"?>
-<p:sld xmlns:a="http://schemas.openxmlformats.org/drawingml/2006/main" xmlns:r="http://schemas.openxmlformats.org/officeDocument/2006/relationships" xmlns:p="http://schemas.openxmlformats.org/presentationml/2006/main">
-  <p:cSld>
-    <p:spTree>
-      <p:nvGrpSpPr>
-        <p:cNvPr id="1" name="Shape 235"/>
-        <p:cNvGrpSpPr/>
-        <p:nvPr/>
-      </p:nvGrpSpPr>
-      <p:grpSpPr>
-        <a:xfrm>
-          <a:off x="0" y="0"/>
-          <a:ext cx="0" cy="0"/>
-          <a:chOff x="0" y="0"/>
-          <a:chExt cx="0" cy="0"/>
-        </a:xfrm>
-      </p:grpSpPr>
-      <p:sp>
-        <p:nvSpPr>
-          <p:cNvPr id="236" name="Shape 236"/>
-          <p:cNvSpPr txBox="1">
-            <a:spLocks noGrp="1"/>
-          </p:cNvSpPr>
-          <p:nvPr>
-            <p:ph type="title"/>
-          </p:nvPr>
-        </p:nvSpPr>
-        <p:spPr>
-          <a:xfrm>
-            <a:off x="814275" y="392575"/>
-            <a:ext cx="5492400" cy="766200"/>
-          </a:xfrm>
-          <a:prstGeom prst="rect">
-            <a:avLst/>
-          </a:prstGeom>
-        </p:spPr>
-        <p:txBody>
-          <a:bodyPr wrap="square" lIns="91425" tIns="91425" rIns="91425" bIns="91425" anchor="ctr" anchorCtr="0">
-            <a:noAutofit/>
-          </a:bodyPr>
-          <a:lstStyle/>
-          <a:p>
-            <a:pPr marL="76200" lvl="0">
-              <a:spcAft>
-                <a:spcPts val="1000"/>
-              </a:spcAft>
-            </a:pPr>
-            <a:r>
-              <a:rPr lang="de-DE" dirty="0"/>
-              <a:t>IM COMPUTER</a:t>
-            </a:r>
-            <a:endParaRPr lang="en" dirty="0"/>
-          </a:p>
-        </p:txBody>
-      </p:sp>
-      <p:sp>
-        <p:nvSpPr>
-          <p:cNvPr id="237" name="Shape 237"/>
-          <p:cNvSpPr txBox="1">
-            <a:spLocks noGrp="1"/>
-          </p:cNvSpPr>
-          <p:nvPr>
-            <p:ph type="body" idx="1"/>
-          </p:nvPr>
-        </p:nvSpPr>
-        <p:spPr>
-          <a:xfrm>
-            <a:off x="814274" y="1327350"/>
-            <a:ext cx="6803725" cy="3145500"/>
-          </a:xfrm>
-          <a:prstGeom prst="rect">
-            <a:avLst/>
-          </a:prstGeom>
-        </p:spPr>
-        <p:txBody>
-          <a:bodyPr wrap="square" lIns="91425" tIns="91425" rIns="91425" bIns="91425" anchor="ctr" anchorCtr="0">
-            <a:noAutofit/>
-          </a:bodyPr>
-          <a:lstStyle/>
-          <a:p>
-            <a:pPr marL="457200" lvl="0" indent="-381000">
-              <a:buFont typeface="Arial" panose="020B0604020202020204" pitchFamily="34" charset="0"/>
-              <a:buChar char="•"/>
-            </a:pPr>
-            <a:r>
-              <a:rPr lang="de-DE" dirty="0"/>
-              <a:t>Die erste Ebene (links) ist die Input Ebene</a:t>
-            </a:r>
-          </a:p>
-          <a:p>
-            <a:pPr marL="457200" lvl="0" indent="-381000">
-              <a:buFont typeface="Arial" panose="020B0604020202020204" pitchFamily="34" charset="0"/>
-              <a:buChar char="•"/>
-            </a:pPr>
-            <a:endParaRPr lang="de-DE" dirty="0"/>
-          </a:p>
-          <a:p>
-            <a:pPr marL="457200" lvl="0" indent="-381000">
-              <a:buFont typeface="Arial" panose="020B0604020202020204" pitchFamily="34" charset="0"/>
-              <a:buChar char="•"/>
-            </a:pPr>
-            <a:endParaRPr lang="de-DE" dirty="0"/>
-          </a:p>
-          <a:p>
-            <a:pPr marL="457200" lvl="0" indent="-381000">
-              <a:buFont typeface="Arial" panose="020B0604020202020204" pitchFamily="34" charset="0"/>
-              <a:buChar char="•"/>
-            </a:pPr>
-            <a:endParaRPr lang="de-DE" dirty="0"/>
-          </a:p>
-        </p:txBody>
-      </p:sp>
-      <p:sp>
-        <p:nvSpPr>
-          <p:cNvPr id="238" name="Shape 238"/>
-          <p:cNvSpPr txBox="1">
-            <a:spLocks noGrp="1"/>
-          </p:cNvSpPr>
-          <p:nvPr>
-            <p:ph type="sldNum" idx="12"/>
-          </p:nvPr>
-        </p:nvSpPr>
-        <p:spPr>
-          <a:xfrm>
-            <a:off x="7618000" y="4636500"/>
-            <a:ext cx="1487400" cy="315600"/>
-          </a:xfrm>
-          <a:prstGeom prst="rect">
-            <a:avLst/>
-          </a:prstGeom>
-        </p:spPr>
-        <p:txBody>
-          <a:bodyPr wrap="square" lIns="91425" tIns="91425" rIns="91425" bIns="91425" anchor="ctr" anchorCtr="0">
-            <a:noAutofit/>
-          </a:bodyPr>
-          <a:lstStyle/>
-          <a:p>
-            <a:pPr lvl="0">
-              <a:spcBef>
-                <a:spcPts val="0"/>
-              </a:spcBef>
-              <a:buNone/>
-            </a:pPr>
-            <a:fld id="{00000000-1234-1234-1234-123412341234}" type="slidenum">
-              <a:rPr lang="en"/>
-              <a:t>3</a:t>
-            </a:fld>
-            <a:endParaRPr lang="en"/>
-          </a:p>
-        </p:txBody>
-      </p:sp>
-      <p:pic>
-        <p:nvPicPr>
-          <p:cNvPr id="4" name="Grafik 3">
-            <a:extLst>
-              <a:ext uri="{FF2B5EF4-FFF2-40B4-BE49-F238E27FC236}">
-                <a16:creationId xmlns:a16="http://schemas.microsoft.com/office/drawing/2014/main" id="{3A56B4C5-3DB5-4542-A9A9-1E178A05242D}"/>
-              </a:ext>
-            </a:extLst>
-          </p:cNvPr>
-          <p:cNvPicPr>
-            <a:picLocks noChangeAspect="1"/>
-          </p:cNvPicPr>
-          <p:nvPr/>
-        </p:nvPicPr>
-        <p:blipFill>
-          <a:blip r:embed="rId3"/>
-          <a:stretch>
-            <a:fillRect/>
-          </a:stretch>
-        </p:blipFill>
-        <p:spPr>
-          <a:xfrm>
-            <a:off x="1274475" y="2571750"/>
-            <a:ext cx="4572000" cy="2247461"/>
-          </a:xfrm>
-          <a:prstGeom prst="rect">
-            <a:avLst/>
-          </a:prstGeom>
-        </p:spPr>
-      </p:pic>
-      <p:sp>
-        <p:nvSpPr>
-          <p:cNvPr id="2" name="Rechteck 1">
-            <a:extLst>
-              <a:ext uri="{FF2B5EF4-FFF2-40B4-BE49-F238E27FC236}">
-                <a16:creationId xmlns:a16="http://schemas.microsoft.com/office/drawing/2014/main" id="{EDB89E0F-AEC5-4A75-AC4A-BF2CC0173BC0}"/>
-              </a:ext>
-            </a:extLst>
-          </p:cNvPr>
-          <p:cNvSpPr/>
-          <p:nvPr/>
-        </p:nvSpPr>
-        <p:spPr>
-          <a:xfrm>
-            <a:off x="2036618" y="2571750"/>
-            <a:ext cx="623455" cy="2247461"/>
-          </a:xfrm>
-          <a:prstGeom prst="rect">
-            <a:avLst/>
-          </a:prstGeom>
-          <a:noFill/>
-          <a:ln w="38100">
-            <a:solidFill>
-              <a:srgbClr val="FF0000"/>
-            </a:solidFill>
-          </a:ln>
-        </p:spPr>
-        <p:style>
-          <a:lnRef idx="2">
-            <a:schemeClr val="accent1">
-              <a:shade val="50000"/>
-            </a:schemeClr>
-          </a:lnRef>
-          <a:fillRef idx="1">
-            <a:schemeClr val="accent1"/>
-          </a:fillRef>
-          <a:effectRef idx="0">
-            <a:schemeClr val="accent1"/>
-          </a:effectRef>
-          <a:fontRef idx="minor">
-            <a:schemeClr val="lt1"/>
-          </a:fontRef>
-        </p:style>
-        <p:txBody>
-          <a:bodyPr rtlCol="0" anchor="ctr"/>
-          <a:lstStyle/>
-          <a:p>
-            <a:pPr algn="ctr"/>
-            <a:endParaRPr lang="de-DE"/>
-          </a:p>
-        </p:txBody>
-      </p:sp>
-    </p:spTree>
-    <p:extLst>
-      <p:ext uri="{BB962C8B-B14F-4D97-AF65-F5344CB8AC3E}">
-        <p14:creationId xmlns:p14="http://schemas.microsoft.com/office/powerpoint/2010/main" val="962133114"/>
-      </p:ext>
-    </p:extLst>
-  </p:cSld>
-  <p:clrMapOvr>
-    <a:masterClrMapping/>
-  </p:clrMapOvr>
-</p:sld>
-</file>
-
-<file path=ppt/slides/slide4.xml><?xml version="1.0" encoding="utf-8"?>
-<p:sld xmlns:a="http://schemas.openxmlformats.org/drawingml/2006/main" xmlns:r="http://schemas.openxmlformats.org/officeDocument/2006/relationships" xmlns:p="http://schemas.openxmlformats.org/presentationml/2006/main">
-  <p:cSld>
-    <p:spTree>
-      <p:nvGrpSpPr>
-        <p:cNvPr id="1" name="Shape 235"/>
-        <p:cNvGrpSpPr/>
-        <p:nvPr/>
-      </p:nvGrpSpPr>
-      <p:grpSpPr>
-        <a:xfrm>
-          <a:off x="0" y="0"/>
-          <a:ext cx="0" cy="0"/>
-          <a:chOff x="0" y="0"/>
-          <a:chExt cx="0" cy="0"/>
-        </a:xfrm>
-      </p:grpSpPr>
-      <p:sp>
-        <p:nvSpPr>
-          <p:cNvPr id="236" name="Shape 236"/>
-          <p:cNvSpPr txBox="1">
-            <a:spLocks noGrp="1"/>
-          </p:cNvSpPr>
-          <p:nvPr>
-            <p:ph type="title"/>
-          </p:nvPr>
-        </p:nvSpPr>
-        <p:spPr>
-          <a:xfrm>
-            <a:off x="814275" y="392575"/>
-            <a:ext cx="5492400" cy="766200"/>
-          </a:xfrm>
-          <a:prstGeom prst="rect">
-            <a:avLst/>
-          </a:prstGeom>
-        </p:spPr>
-        <p:txBody>
-          <a:bodyPr wrap="square" lIns="91425" tIns="91425" rIns="91425" bIns="91425" anchor="ctr" anchorCtr="0">
-            <a:noAutofit/>
-          </a:bodyPr>
-          <a:lstStyle/>
-          <a:p>
-            <a:pPr marL="76200" lvl="0">
-              <a:spcAft>
-                <a:spcPts val="1000"/>
-              </a:spcAft>
-            </a:pPr>
-            <a:r>
-              <a:rPr lang="de-DE" dirty="0"/>
-              <a:t>IM COMPUTER</a:t>
-            </a:r>
-            <a:endParaRPr lang="en" dirty="0"/>
-          </a:p>
-        </p:txBody>
-      </p:sp>
-      <p:sp>
-        <p:nvSpPr>
-          <p:cNvPr id="237" name="Shape 237"/>
-          <p:cNvSpPr txBox="1">
-            <a:spLocks noGrp="1"/>
-          </p:cNvSpPr>
-          <p:nvPr>
-            <p:ph type="body" idx="1"/>
-          </p:nvPr>
-        </p:nvSpPr>
-        <p:spPr>
-          <a:xfrm>
-            <a:off x="814274" y="1327350"/>
-            <a:ext cx="6803725" cy="3145500"/>
-          </a:xfrm>
-          <a:prstGeom prst="rect">
-            <a:avLst/>
-          </a:prstGeom>
-        </p:spPr>
-        <p:txBody>
-          <a:bodyPr wrap="square" lIns="91425" tIns="91425" rIns="91425" bIns="91425" anchor="ctr" anchorCtr="0">
-            <a:noAutofit/>
-          </a:bodyPr>
-          <a:lstStyle/>
-          <a:p>
-            <a:pPr marL="457200" lvl="0" indent="-381000">
-              <a:buFont typeface="Arial" panose="020B0604020202020204" pitchFamily="34" charset="0"/>
-              <a:buChar char="•"/>
-            </a:pPr>
-            <a:r>
-              <a:rPr lang="de-DE" dirty="0"/>
-              <a:t>Die letzte Ebene (rechts) ist die Output Ebene</a:t>
-            </a:r>
-          </a:p>
-          <a:p>
-            <a:pPr marL="457200" lvl="0" indent="-381000">
-              <a:buFont typeface="Arial" panose="020B0604020202020204" pitchFamily="34" charset="0"/>
-              <a:buChar char="•"/>
-            </a:pPr>
-            <a:endParaRPr lang="de-DE" dirty="0"/>
-          </a:p>
-          <a:p>
-            <a:pPr marL="457200" lvl="0" indent="-381000">
-              <a:buFont typeface="Arial" panose="020B0604020202020204" pitchFamily="34" charset="0"/>
-              <a:buChar char="•"/>
-            </a:pPr>
-            <a:endParaRPr lang="de-DE" dirty="0"/>
-          </a:p>
-          <a:p>
-            <a:pPr marL="457200" lvl="0" indent="-381000">
-              <a:buFont typeface="Arial" panose="020B0604020202020204" pitchFamily="34" charset="0"/>
-              <a:buChar char="•"/>
-            </a:pPr>
-            <a:endParaRPr lang="de-DE" dirty="0"/>
-          </a:p>
-        </p:txBody>
-      </p:sp>
-      <p:sp>
-        <p:nvSpPr>
-          <p:cNvPr id="238" name="Shape 238"/>
-          <p:cNvSpPr txBox="1">
-            <a:spLocks noGrp="1"/>
-          </p:cNvSpPr>
-          <p:nvPr>
-            <p:ph type="sldNum" idx="12"/>
-          </p:nvPr>
-        </p:nvSpPr>
-        <p:spPr>
-          <a:xfrm>
-            <a:off x="7618000" y="4636500"/>
-            <a:ext cx="1487400" cy="315600"/>
-          </a:xfrm>
-          <a:prstGeom prst="rect">
-            <a:avLst/>
-          </a:prstGeom>
-        </p:spPr>
-        <p:txBody>
-          <a:bodyPr wrap="square" lIns="91425" tIns="91425" rIns="91425" bIns="91425" anchor="ctr" anchorCtr="0">
-            <a:noAutofit/>
-          </a:bodyPr>
-          <a:lstStyle/>
-          <a:p>
-            <a:pPr lvl="0">
-              <a:spcBef>
-                <a:spcPts val="0"/>
-              </a:spcBef>
-              <a:buNone/>
-            </a:pPr>
-            <a:fld id="{00000000-1234-1234-1234-123412341234}" type="slidenum">
-              <a:rPr lang="en"/>
-              <a:t>4</a:t>
-            </a:fld>
-            <a:endParaRPr lang="en"/>
-          </a:p>
-        </p:txBody>
-      </p:sp>
-      <p:pic>
-        <p:nvPicPr>
-          <p:cNvPr id="4" name="Grafik 3">
-            <a:extLst>
-              <a:ext uri="{FF2B5EF4-FFF2-40B4-BE49-F238E27FC236}">
-                <a16:creationId xmlns:a16="http://schemas.microsoft.com/office/drawing/2014/main" id="{3A56B4C5-3DB5-4542-A9A9-1E178A05242D}"/>
-              </a:ext>
-            </a:extLst>
-          </p:cNvPr>
-          <p:cNvPicPr>
-            <a:picLocks noChangeAspect="1"/>
-          </p:cNvPicPr>
-          <p:nvPr/>
-        </p:nvPicPr>
-        <p:blipFill>
-          <a:blip r:embed="rId3"/>
-          <a:stretch>
-            <a:fillRect/>
-          </a:stretch>
-        </p:blipFill>
-        <p:spPr>
-          <a:xfrm>
-            <a:off x="1274475" y="2571750"/>
-            <a:ext cx="4572000" cy="2247461"/>
-          </a:xfrm>
-          <a:prstGeom prst="rect">
-            <a:avLst/>
-          </a:prstGeom>
-        </p:spPr>
-      </p:pic>
-      <p:sp>
-        <p:nvSpPr>
-          <p:cNvPr id="6" name="Rechteck 5">
-            <a:extLst>
-              <a:ext uri="{FF2B5EF4-FFF2-40B4-BE49-F238E27FC236}">
-                <a16:creationId xmlns:a16="http://schemas.microsoft.com/office/drawing/2014/main" id="{8E866CB2-6951-41B7-BB7A-C8B462000DDF}"/>
-              </a:ext>
-            </a:extLst>
-          </p:cNvPr>
-          <p:cNvSpPr/>
-          <p:nvPr/>
-        </p:nvSpPr>
-        <p:spPr>
-          <a:xfrm>
-            <a:off x="4389958" y="3133059"/>
-            <a:ext cx="536461" cy="1183759"/>
-          </a:xfrm>
-          <a:prstGeom prst="rect">
-            <a:avLst/>
-          </a:prstGeom>
-          <a:noFill/>
-          <a:ln w="38100">
-            <a:solidFill>
-              <a:srgbClr val="FF0000"/>
-            </a:solidFill>
-          </a:ln>
-        </p:spPr>
-        <p:style>
-          <a:lnRef idx="2">
-            <a:schemeClr val="accent1">
-              <a:shade val="50000"/>
-            </a:schemeClr>
-          </a:lnRef>
-          <a:fillRef idx="1">
-            <a:schemeClr val="accent1"/>
-          </a:fillRef>
-          <a:effectRef idx="0">
-            <a:schemeClr val="accent1"/>
-          </a:effectRef>
-          <a:fontRef idx="minor">
-            <a:schemeClr val="lt1"/>
-          </a:fontRef>
-        </p:style>
-        <p:txBody>
-          <a:bodyPr rtlCol="0" anchor="ctr"/>
-          <a:lstStyle/>
-          <a:p>
-            <a:pPr algn="ctr"/>
-            <a:endParaRPr lang="de-DE"/>
-          </a:p>
-        </p:txBody>
-      </p:sp>
-    </p:spTree>
-    <p:extLst>
-      <p:ext uri="{BB962C8B-B14F-4D97-AF65-F5344CB8AC3E}">
-        <p14:creationId xmlns:p14="http://schemas.microsoft.com/office/powerpoint/2010/main" val="27878410"/>
-      </p:ext>
-    </p:extLst>
-  </p:cSld>
-  <p:clrMapOvr>
-    <a:masterClrMapping/>
-  </p:clrMapOvr>
-</p:sld>
-</file>
-
-<file path=ppt/slides/slide5.xml><?xml version="1.0" encoding="utf-8"?>
-<p:sld xmlns:a="http://schemas.openxmlformats.org/drawingml/2006/main" xmlns:r="http://schemas.openxmlformats.org/officeDocument/2006/relationships" xmlns:p="http://schemas.openxmlformats.org/presentationml/2006/main">
-  <p:cSld>
-    <p:spTree>
-      <p:nvGrpSpPr>
-        <p:cNvPr id="1" name="Shape 235"/>
-        <p:cNvGrpSpPr/>
-        <p:nvPr/>
-      </p:nvGrpSpPr>
-      <p:grpSpPr>
-        <a:xfrm>
-          <a:off x="0" y="0"/>
-          <a:ext cx="0" cy="0"/>
-          <a:chOff x="0" y="0"/>
-          <a:chExt cx="0" cy="0"/>
-        </a:xfrm>
-      </p:grpSpPr>
-      <p:sp>
-        <p:nvSpPr>
-          <p:cNvPr id="236" name="Shape 236"/>
-          <p:cNvSpPr txBox="1">
-            <a:spLocks noGrp="1"/>
-          </p:cNvSpPr>
-          <p:nvPr>
-            <p:ph type="title"/>
-          </p:nvPr>
-        </p:nvSpPr>
-        <p:spPr>
-          <a:xfrm>
-            <a:off x="814275" y="392575"/>
-            <a:ext cx="5492400" cy="766200"/>
-          </a:xfrm>
-          <a:prstGeom prst="rect">
-            <a:avLst/>
-          </a:prstGeom>
-        </p:spPr>
-        <p:txBody>
-          <a:bodyPr wrap="square" lIns="91425" tIns="91425" rIns="91425" bIns="91425" anchor="ctr" anchorCtr="0">
-            <a:noAutofit/>
-          </a:bodyPr>
-          <a:lstStyle/>
-          <a:p>
-            <a:pPr marL="76200" lvl="0">
-              <a:spcAft>
-                <a:spcPts val="1000"/>
-              </a:spcAft>
-            </a:pPr>
-            <a:r>
-              <a:rPr lang="de-DE" dirty="0"/>
-              <a:t>IM COMPUTER</a:t>
-            </a:r>
-            <a:endParaRPr lang="en" dirty="0"/>
-          </a:p>
-        </p:txBody>
-      </p:sp>
-      <p:sp>
-        <p:nvSpPr>
-          <p:cNvPr id="237" name="Shape 237"/>
-          <p:cNvSpPr txBox="1">
-            <a:spLocks noGrp="1"/>
-          </p:cNvSpPr>
-          <p:nvPr>
-            <p:ph type="body" idx="1"/>
-          </p:nvPr>
-        </p:nvSpPr>
-        <p:spPr>
-          <a:xfrm>
-            <a:off x="814274" y="1327350"/>
-            <a:ext cx="6803725" cy="3145500"/>
-          </a:xfrm>
-          <a:prstGeom prst="rect">
-            <a:avLst/>
-          </a:prstGeom>
-        </p:spPr>
-        <p:txBody>
-          <a:bodyPr wrap="square" lIns="91425" tIns="91425" rIns="91425" bIns="91425" anchor="ctr" anchorCtr="0">
-            <a:noAutofit/>
-          </a:bodyPr>
-          <a:lstStyle/>
-          <a:p>
-            <a:pPr marL="457200" lvl="0" indent="-381000">
-              <a:buFont typeface="Arial" panose="020B0604020202020204" pitchFamily="34" charset="0"/>
-              <a:buChar char="•"/>
-            </a:pPr>
-            <a:r>
-              <a:rPr lang="de-DE" dirty="0"/>
-              <a:t>Dazwischen liegen die „versteckten“ Hidden </a:t>
-            </a:r>
-            <a:r>
-              <a:rPr lang="de-DE" dirty="0" err="1"/>
-              <a:t>Layers</a:t>
-            </a:r>
-            <a:endParaRPr lang="de-DE" dirty="0"/>
-          </a:p>
-          <a:p>
-            <a:pPr marL="457200" lvl="0" indent="-381000">
-              <a:buFont typeface="Arial" panose="020B0604020202020204" pitchFamily="34" charset="0"/>
-              <a:buChar char="•"/>
-            </a:pPr>
-            <a:endParaRPr lang="de-DE" dirty="0"/>
-          </a:p>
-          <a:p>
-            <a:pPr marL="457200" lvl="0" indent="-381000">
-              <a:buFont typeface="Arial" panose="020B0604020202020204" pitchFamily="34" charset="0"/>
-              <a:buChar char="•"/>
-            </a:pPr>
-            <a:endParaRPr lang="de-DE" dirty="0"/>
-          </a:p>
-          <a:p>
-            <a:pPr marL="457200" lvl="0" indent="-381000">
-              <a:buFont typeface="Arial" panose="020B0604020202020204" pitchFamily="34" charset="0"/>
-              <a:buChar char="•"/>
-            </a:pPr>
-            <a:endParaRPr lang="de-DE" dirty="0"/>
-          </a:p>
-        </p:txBody>
-      </p:sp>
-      <p:sp>
-        <p:nvSpPr>
-          <p:cNvPr id="238" name="Shape 238"/>
-          <p:cNvSpPr txBox="1">
-            <a:spLocks noGrp="1"/>
-          </p:cNvSpPr>
-          <p:nvPr>
-            <p:ph type="sldNum" idx="12"/>
-          </p:nvPr>
-        </p:nvSpPr>
-        <p:spPr>
-          <a:xfrm>
-            <a:off x="7618000" y="4636500"/>
-            <a:ext cx="1487400" cy="315600"/>
-          </a:xfrm>
-          <a:prstGeom prst="rect">
-            <a:avLst/>
-          </a:prstGeom>
-        </p:spPr>
-        <p:txBody>
-          <a:bodyPr wrap="square" lIns="91425" tIns="91425" rIns="91425" bIns="91425" anchor="ctr" anchorCtr="0">
-            <a:noAutofit/>
-          </a:bodyPr>
-          <a:lstStyle/>
-          <a:p>
-            <a:pPr lvl="0">
-              <a:spcBef>
-                <a:spcPts val="0"/>
-              </a:spcBef>
-              <a:buNone/>
-            </a:pPr>
-            <a:fld id="{00000000-1234-1234-1234-123412341234}" type="slidenum">
-              <a:rPr lang="en"/>
-              <a:t>5</a:t>
-            </a:fld>
-            <a:endParaRPr lang="en"/>
-          </a:p>
-        </p:txBody>
-      </p:sp>
-      <p:pic>
-        <p:nvPicPr>
-          <p:cNvPr id="4" name="Grafik 3">
-            <a:extLst>
-              <a:ext uri="{FF2B5EF4-FFF2-40B4-BE49-F238E27FC236}">
-                <a16:creationId xmlns:a16="http://schemas.microsoft.com/office/drawing/2014/main" id="{3A56B4C5-3DB5-4542-A9A9-1E178A05242D}"/>
-              </a:ext>
-            </a:extLst>
-          </p:cNvPr>
-          <p:cNvPicPr>
-            <a:picLocks noChangeAspect="1"/>
-          </p:cNvPicPr>
-          <p:nvPr/>
-        </p:nvPicPr>
-        <p:blipFill>
-          <a:blip r:embed="rId3"/>
-          <a:stretch>
-            <a:fillRect/>
-          </a:stretch>
-        </p:blipFill>
-        <p:spPr>
-          <a:xfrm>
-            <a:off x="1274475" y="2571750"/>
-            <a:ext cx="4572000" cy="2247461"/>
-          </a:xfrm>
-          <a:prstGeom prst="rect">
-            <a:avLst/>
-          </a:prstGeom>
-        </p:spPr>
-      </p:pic>
-      <p:sp>
-        <p:nvSpPr>
-          <p:cNvPr id="6" name="Rechteck 5">
-            <a:extLst>
-              <a:ext uri="{FF2B5EF4-FFF2-40B4-BE49-F238E27FC236}">
-                <a16:creationId xmlns:a16="http://schemas.microsoft.com/office/drawing/2014/main" id="{96037404-75FD-42F8-A517-59D3E0D74690}"/>
-              </a:ext>
-            </a:extLst>
-          </p:cNvPr>
-          <p:cNvSpPr/>
-          <p:nvPr/>
-        </p:nvSpPr>
-        <p:spPr>
-          <a:xfrm>
-            <a:off x="3184934" y="2585926"/>
-            <a:ext cx="623455" cy="2247461"/>
-          </a:xfrm>
-          <a:prstGeom prst="rect">
-            <a:avLst/>
-          </a:prstGeom>
-          <a:noFill/>
-          <a:ln w="38100">
-            <a:solidFill>
-              <a:srgbClr val="FF0000"/>
-            </a:solidFill>
-          </a:ln>
-        </p:spPr>
-        <p:style>
-          <a:lnRef idx="2">
-            <a:schemeClr val="accent1">
-              <a:shade val="50000"/>
-            </a:schemeClr>
-          </a:lnRef>
-          <a:fillRef idx="1">
-            <a:schemeClr val="accent1"/>
-          </a:fillRef>
-          <a:effectRef idx="0">
-            <a:schemeClr val="accent1"/>
-          </a:effectRef>
-          <a:fontRef idx="minor">
-            <a:schemeClr val="lt1"/>
-          </a:fontRef>
-        </p:style>
-        <p:txBody>
-          <a:bodyPr rtlCol="0" anchor="ctr"/>
-          <a:lstStyle/>
-          <a:p>
-            <a:pPr algn="ctr"/>
-            <a:endParaRPr lang="de-DE"/>
-          </a:p>
-        </p:txBody>
-      </p:sp>
-    </p:spTree>
-    <p:extLst>
-      <p:ext uri="{BB962C8B-B14F-4D97-AF65-F5344CB8AC3E}">
-        <p14:creationId xmlns:p14="http://schemas.microsoft.com/office/powerpoint/2010/main" val="2487286590"/>
-      </p:ext>
-    </p:extLst>
-  </p:cSld>
-  <p:clrMapOvr>
-    <a:masterClrMapping/>
-  </p:clrMapOvr>
-</p:sld>
-</file>
-
-<file path=ppt/slides/slide6.xml><?xml version="1.0" encoding="utf-8"?>
-<p:sld xmlns:a="http://schemas.openxmlformats.org/drawingml/2006/main" xmlns:r="http://schemas.openxmlformats.org/officeDocument/2006/relationships" xmlns:p="http://schemas.openxmlformats.org/presentationml/2006/main">
-  <p:cSld>
-    <p:spTree>
-      <p:nvGrpSpPr>
-        <p:cNvPr id="1" name="Shape 235"/>
-        <p:cNvGrpSpPr/>
-        <p:nvPr/>
-      </p:nvGrpSpPr>
-      <p:grpSpPr>
-        <a:xfrm>
-          <a:off x="0" y="0"/>
-          <a:ext cx="0" cy="0"/>
-          <a:chOff x="0" y="0"/>
-          <a:chExt cx="0" cy="0"/>
-        </a:xfrm>
-      </p:grpSpPr>
-      <p:sp>
-        <p:nvSpPr>
-          <p:cNvPr id="236" name="Shape 236"/>
-          <p:cNvSpPr txBox="1">
-            <a:spLocks noGrp="1"/>
-          </p:cNvSpPr>
-          <p:nvPr>
-            <p:ph type="title"/>
-          </p:nvPr>
-        </p:nvSpPr>
-        <p:spPr>
-          <a:xfrm>
-            <a:off x="814275" y="392575"/>
-            <a:ext cx="5492400" cy="766200"/>
-          </a:xfrm>
-          <a:prstGeom prst="rect">
-            <a:avLst/>
-          </a:prstGeom>
-        </p:spPr>
-        <p:txBody>
-          <a:bodyPr wrap="square" lIns="91425" tIns="91425" rIns="91425" bIns="91425" anchor="ctr" anchorCtr="0">
-            <a:noAutofit/>
-          </a:bodyPr>
-          <a:lstStyle/>
-          <a:p>
-            <a:pPr marL="76200" lvl="0">
-              <a:spcAft>
-                <a:spcPts val="1000"/>
-              </a:spcAft>
-            </a:pPr>
-            <a:r>
-              <a:rPr lang="de-DE" dirty="0"/>
-              <a:t>AKTIVIERUNGSFUNKTION – STEP FUNCTION</a:t>
-            </a:r>
-            <a:endParaRPr lang="en" dirty="0"/>
-          </a:p>
-        </p:txBody>
-      </p:sp>
-      <p:sp>
-        <p:nvSpPr>
-          <p:cNvPr id="238" name="Shape 238"/>
-          <p:cNvSpPr txBox="1">
-            <a:spLocks noGrp="1"/>
-          </p:cNvSpPr>
-          <p:nvPr>
-            <p:ph type="sldNum" idx="12"/>
-          </p:nvPr>
-        </p:nvSpPr>
-        <p:spPr>
-          <a:xfrm>
-            <a:off x="7618000" y="4636500"/>
-            <a:ext cx="1487400" cy="315600"/>
-          </a:xfrm>
-          <a:prstGeom prst="rect">
-            <a:avLst/>
-          </a:prstGeom>
-        </p:spPr>
-        <p:txBody>
-          <a:bodyPr wrap="square" lIns="91425" tIns="91425" rIns="91425" bIns="91425" anchor="ctr" anchorCtr="0">
-            <a:noAutofit/>
-          </a:bodyPr>
-          <a:lstStyle/>
-          <a:p>
-            <a:pPr lvl="0">
-              <a:spcBef>
-                <a:spcPts val="0"/>
-              </a:spcBef>
-              <a:buNone/>
-            </a:pPr>
-            <a:fld id="{00000000-1234-1234-1234-123412341234}" type="slidenum">
-              <a:rPr lang="en"/>
-              <a:t>6</a:t>
-            </a:fld>
-            <a:endParaRPr lang="en"/>
-          </a:p>
-        </p:txBody>
-      </p:sp>
-      <p:pic>
-        <p:nvPicPr>
-          <p:cNvPr id="4" name="Grafik 3">
-            <a:extLst>
-              <a:ext uri="{FF2B5EF4-FFF2-40B4-BE49-F238E27FC236}">
-                <a16:creationId xmlns:a16="http://schemas.microsoft.com/office/drawing/2014/main" id="{E120D0B4-00D4-48CC-A848-8C517C486122}"/>
-              </a:ext>
-            </a:extLst>
-          </p:cNvPr>
-          <p:cNvPicPr>
-            <a:picLocks noChangeAspect="1"/>
-          </p:cNvPicPr>
-          <p:nvPr/>
-        </p:nvPicPr>
-        <p:blipFill>
-          <a:blip r:embed="rId3"/>
-          <a:stretch>
-            <a:fillRect/>
-          </a:stretch>
-        </p:blipFill>
-        <p:spPr>
-          <a:xfrm>
-            <a:off x="954798" y="1425822"/>
-            <a:ext cx="4956904" cy="3717678"/>
-          </a:xfrm>
-          <a:prstGeom prst="rect">
-            <a:avLst/>
-          </a:prstGeom>
-        </p:spPr>
-      </p:pic>
-    </p:spTree>
-    <p:extLst>
-      <p:ext uri="{BB962C8B-B14F-4D97-AF65-F5344CB8AC3E}">
-        <p14:creationId xmlns:p14="http://schemas.microsoft.com/office/powerpoint/2010/main" val="3786252059"/>
-      </p:ext>
-    </p:extLst>
-  </p:cSld>
-  <p:clrMapOvr>
-    <a:masterClrMapping/>
-  </p:clrMapOvr>
-</p:sld>
-</file>
-
-<file path=ppt/slides/slide7.xml><?xml version="1.0" encoding="utf-8"?>
-<p:sld xmlns:a="http://schemas.openxmlformats.org/drawingml/2006/main" xmlns:r="http://schemas.openxmlformats.org/officeDocument/2006/relationships" xmlns:p="http://schemas.openxmlformats.org/presentationml/2006/main">
-  <p:cSld>
-    <p:spTree>
-      <p:nvGrpSpPr>
-        <p:cNvPr id="1" name="Shape 235"/>
-        <p:cNvGrpSpPr/>
-        <p:nvPr/>
-      </p:nvGrpSpPr>
-      <p:grpSpPr>
-        <a:xfrm>
-          <a:off x="0" y="0"/>
-          <a:ext cx="0" cy="0"/>
-          <a:chOff x="0" y="0"/>
-          <a:chExt cx="0" cy="0"/>
-        </a:xfrm>
-      </p:grpSpPr>
-      <p:sp>
-        <p:nvSpPr>
-          <p:cNvPr id="236" name="Shape 236"/>
-          <p:cNvSpPr txBox="1">
-            <a:spLocks noGrp="1"/>
-          </p:cNvSpPr>
-          <p:nvPr>
-            <p:ph type="title"/>
-          </p:nvPr>
-        </p:nvSpPr>
-        <p:spPr>
-          <a:xfrm>
-            <a:off x="814275" y="392575"/>
-            <a:ext cx="5492400" cy="766200"/>
-          </a:xfrm>
-          <a:prstGeom prst="rect">
-            <a:avLst/>
-          </a:prstGeom>
-        </p:spPr>
-        <p:txBody>
-          <a:bodyPr wrap="square" lIns="91425" tIns="91425" rIns="91425" bIns="91425" anchor="ctr" anchorCtr="0">
-            <a:noAutofit/>
-          </a:bodyPr>
-          <a:lstStyle/>
-          <a:p>
-            <a:pPr marL="76200" lvl="0">
-              <a:spcAft>
-                <a:spcPts val="1000"/>
-              </a:spcAft>
-            </a:pPr>
-            <a:r>
-              <a:rPr lang="de-DE" dirty="0"/>
-              <a:t>AKTIVIERUNGSFUNKTION – RELU FUNCTION</a:t>
-            </a:r>
-            <a:endParaRPr lang="en" dirty="0"/>
-          </a:p>
-        </p:txBody>
-      </p:sp>
-      <p:sp>
-        <p:nvSpPr>
-          <p:cNvPr id="238" name="Shape 238"/>
-          <p:cNvSpPr txBox="1">
-            <a:spLocks noGrp="1"/>
-          </p:cNvSpPr>
-          <p:nvPr>
-            <p:ph type="sldNum" idx="12"/>
-          </p:nvPr>
-        </p:nvSpPr>
-        <p:spPr>
-          <a:xfrm>
-            <a:off x="7618000" y="4636500"/>
-            <a:ext cx="1487400" cy="315600"/>
-          </a:xfrm>
-          <a:prstGeom prst="rect">
-            <a:avLst/>
-          </a:prstGeom>
-        </p:spPr>
-        <p:txBody>
-          <a:bodyPr wrap="square" lIns="91425" tIns="91425" rIns="91425" bIns="91425" anchor="ctr" anchorCtr="0">
-            <a:noAutofit/>
-          </a:bodyPr>
-          <a:lstStyle/>
-          <a:p>
-            <a:pPr lvl="0">
-              <a:spcBef>
-                <a:spcPts val="0"/>
-              </a:spcBef>
-              <a:buNone/>
-            </a:pPr>
-            <a:fld id="{00000000-1234-1234-1234-123412341234}" type="slidenum">
-              <a:rPr lang="en"/>
-              <a:t>7</a:t>
-            </a:fld>
-            <a:endParaRPr lang="en"/>
-          </a:p>
-        </p:txBody>
-      </p:sp>
-      <p:pic>
-        <p:nvPicPr>
-          <p:cNvPr id="3" name="Grafik 2">
-            <a:extLst>
-              <a:ext uri="{FF2B5EF4-FFF2-40B4-BE49-F238E27FC236}">
-                <a16:creationId xmlns:a16="http://schemas.microsoft.com/office/drawing/2014/main" id="{766FDBDE-2D22-4A23-AF02-2BC1B35CE7E5}"/>
-              </a:ext>
-            </a:extLst>
-          </p:cNvPr>
-          <p:cNvPicPr>
-            <a:picLocks noChangeAspect="1"/>
-          </p:cNvPicPr>
-          <p:nvPr/>
-        </p:nvPicPr>
-        <p:blipFill>
-          <a:blip r:embed="rId3"/>
-          <a:stretch>
-            <a:fillRect/>
-          </a:stretch>
-        </p:blipFill>
-        <p:spPr>
-          <a:xfrm>
-            <a:off x="912267" y="1354051"/>
-            <a:ext cx="5052598" cy="3789449"/>
-          </a:xfrm>
-          <a:prstGeom prst="rect">
-            <a:avLst/>
-          </a:prstGeom>
-        </p:spPr>
-      </p:pic>
-    </p:spTree>
-    <p:extLst>
-      <p:ext uri="{BB962C8B-B14F-4D97-AF65-F5344CB8AC3E}">
-        <p14:creationId xmlns:p14="http://schemas.microsoft.com/office/powerpoint/2010/main" val="1445023388"/>
-      </p:ext>
-    </p:extLst>
-  </p:cSld>
-  <p:clrMapOvr>
-    <a:masterClrMapping/>
-  </p:clrMapOvr>
-</p:sld>
-</file>
-
-<file path=ppt/slides/slide8.xml><?xml version="1.0" encoding="utf-8"?>
-<p:sld xmlns:a="http://schemas.openxmlformats.org/drawingml/2006/main" xmlns:r="http://schemas.openxmlformats.org/officeDocument/2006/relationships" xmlns:p="http://schemas.openxmlformats.org/presentationml/2006/main">
-  <p:cSld>
-    <p:spTree>
-      <p:nvGrpSpPr>
-        <p:cNvPr id="1" name="Shape 235"/>
-        <p:cNvGrpSpPr/>
-        <p:nvPr/>
-      </p:nvGrpSpPr>
-      <p:grpSpPr>
-        <a:xfrm>
-          <a:off x="0" y="0"/>
-          <a:ext cx="0" cy="0"/>
-          <a:chOff x="0" y="0"/>
-          <a:chExt cx="0" cy="0"/>
-        </a:xfrm>
-      </p:grpSpPr>
-      <p:sp>
-        <p:nvSpPr>
-          <p:cNvPr id="236" name="Shape 236"/>
-          <p:cNvSpPr txBox="1">
-            <a:spLocks noGrp="1"/>
-          </p:cNvSpPr>
-          <p:nvPr>
-            <p:ph type="title"/>
-          </p:nvPr>
-        </p:nvSpPr>
-        <p:spPr>
-          <a:xfrm>
-            <a:off x="814275" y="392575"/>
-            <a:ext cx="5492400" cy="766200"/>
-          </a:xfrm>
-          <a:prstGeom prst="rect">
-            <a:avLst/>
-          </a:prstGeom>
-        </p:spPr>
-        <p:txBody>
-          <a:bodyPr wrap="square" lIns="91425" tIns="91425" rIns="91425" bIns="91425" anchor="ctr" anchorCtr="0">
-            <a:noAutofit/>
-          </a:bodyPr>
-          <a:lstStyle/>
-          <a:p>
-            <a:pPr marL="76200" lvl="0">
-              <a:spcAft>
-                <a:spcPts val="1000"/>
-              </a:spcAft>
-            </a:pPr>
-            <a:r>
-              <a:rPr lang="de-DE" dirty="0"/>
-              <a:t>DAS ZIEL</a:t>
-            </a:r>
-            <a:endParaRPr lang="en" dirty="0"/>
-          </a:p>
-        </p:txBody>
-      </p:sp>
-      <p:sp>
-        <p:nvSpPr>
-          <p:cNvPr id="237" name="Shape 237"/>
-          <p:cNvSpPr txBox="1">
-            <a:spLocks noGrp="1"/>
-          </p:cNvSpPr>
-          <p:nvPr>
-            <p:ph type="body" idx="1"/>
-          </p:nvPr>
-        </p:nvSpPr>
-        <p:spPr>
-          <a:xfrm>
-            <a:off x="814274" y="1327350"/>
-            <a:ext cx="6803725" cy="3145500"/>
-          </a:xfrm>
-          <a:prstGeom prst="rect">
-            <a:avLst/>
-          </a:prstGeom>
-        </p:spPr>
-        <p:txBody>
-          <a:bodyPr wrap="square" lIns="91425" tIns="91425" rIns="91425" bIns="91425" anchor="ctr" anchorCtr="0">
-            <a:noAutofit/>
-          </a:bodyPr>
-          <a:lstStyle/>
-          <a:p>
-            <a:pPr marL="457200" lvl="0" indent="-381000">
-              <a:buFont typeface="Arial" panose="020B0604020202020204" pitchFamily="34" charset="0"/>
-              <a:buChar char="•"/>
-            </a:pPr>
-            <a:r>
-              <a:rPr lang="de-DE" dirty="0"/>
-              <a:t>Anhand der Trainingsbeispiele soll das Netz verbessert werden</a:t>
-            </a:r>
-          </a:p>
-          <a:p>
-            <a:pPr marL="457200" lvl="0" indent="-381000">
-              <a:buFont typeface="Arial" panose="020B0604020202020204" pitchFamily="34" charset="0"/>
-              <a:buChar char="•"/>
-            </a:pPr>
-            <a:r>
-              <a:rPr lang="de-DE" dirty="0"/>
-              <a:t>Die Anpassung der Gewichte ist die Vorgehensweise</a:t>
-            </a:r>
-          </a:p>
-          <a:p>
-            <a:pPr marL="457200" lvl="0" indent="-381000">
-              <a:buFont typeface="Arial" panose="020B0604020202020204" pitchFamily="34" charset="0"/>
-              <a:buChar char="•"/>
-            </a:pPr>
-            <a:r>
-              <a:rPr lang="de-DE" dirty="0"/>
-              <a:t>Eine optimale Wahl der Gewichte ist das Ziel</a:t>
-            </a:r>
-            <a:endParaRPr lang="en" dirty="0"/>
-          </a:p>
-        </p:txBody>
-      </p:sp>
-      <p:sp>
-        <p:nvSpPr>
-          <p:cNvPr id="238" name="Shape 238"/>
-          <p:cNvSpPr txBox="1">
-            <a:spLocks noGrp="1"/>
-          </p:cNvSpPr>
-          <p:nvPr>
-            <p:ph type="sldNum" idx="12"/>
-          </p:nvPr>
-        </p:nvSpPr>
-        <p:spPr>
-          <a:xfrm>
-            <a:off x="7618000" y="4636500"/>
-            <a:ext cx="1487400" cy="315600"/>
-          </a:xfrm>
-          <a:prstGeom prst="rect">
-            <a:avLst/>
-          </a:prstGeom>
-        </p:spPr>
-        <p:txBody>
-          <a:bodyPr wrap="square" lIns="91425" tIns="91425" rIns="91425" bIns="91425" anchor="ctr" anchorCtr="0">
-            <a:noAutofit/>
-          </a:bodyPr>
-          <a:lstStyle/>
-          <a:p>
-            <a:pPr lvl="0">
-              <a:spcBef>
-                <a:spcPts val="0"/>
-              </a:spcBef>
-              <a:buNone/>
-            </a:pPr>
-            <a:fld id="{00000000-1234-1234-1234-123412341234}" type="slidenum">
-              <a:rPr lang="en"/>
-              <a:t>8</a:t>
-            </a:fld>
-            <a:endParaRPr lang="en"/>
-          </a:p>
-        </p:txBody>
-      </p:sp>
-    </p:spTree>
-    <p:extLst>
-      <p:ext uri="{BB962C8B-B14F-4D97-AF65-F5344CB8AC3E}">
-        <p14:creationId xmlns:p14="http://schemas.microsoft.com/office/powerpoint/2010/main" val="815908925"/>
-      </p:ext>
-    </p:extLst>
-  </p:cSld>
-  <p:clrMapOvr>
-    <a:masterClrMapping/>
-  </p:clrMapOvr>
-</p:sld>
-</file>
-
-<file path=ppt/slides/slide9.xml><?xml version="1.0" encoding="utf-8"?>
-<p:sld xmlns:a="http://schemas.openxmlformats.org/drawingml/2006/main" xmlns:r="http://schemas.openxmlformats.org/officeDocument/2006/relationships" xmlns:p="http://schemas.openxmlformats.org/presentationml/2006/main">
-  <p:cSld>
-    <p:spTree>
-      <p:nvGrpSpPr>
-        <p:cNvPr id="1" name="Shape 235"/>
-        <p:cNvGrpSpPr/>
-        <p:nvPr/>
-      </p:nvGrpSpPr>
-      <p:grpSpPr>
-        <a:xfrm>
-          <a:off x="0" y="0"/>
-          <a:ext cx="0" cy="0"/>
-          <a:chOff x="0" y="0"/>
-          <a:chExt cx="0" cy="0"/>
-        </a:xfrm>
-      </p:grpSpPr>
-      <p:sp>
-        <p:nvSpPr>
-          <p:cNvPr id="236" name="Shape 236"/>
-          <p:cNvSpPr txBox="1">
-            <a:spLocks noGrp="1"/>
-          </p:cNvSpPr>
-          <p:nvPr>
-            <p:ph type="title"/>
-          </p:nvPr>
-        </p:nvSpPr>
-        <p:spPr>
-          <a:xfrm>
-            <a:off x="814275" y="392575"/>
-            <a:ext cx="5492400" cy="766200"/>
-          </a:xfrm>
-          <a:prstGeom prst="rect">
-            <a:avLst/>
-          </a:prstGeom>
-        </p:spPr>
-        <p:txBody>
-          <a:bodyPr wrap="square" lIns="91425" tIns="91425" rIns="91425" bIns="91425" anchor="ctr" anchorCtr="0">
-            <a:noAutofit/>
-          </a:bodyPr>
-          <a:lstStyle/>
-          <a:p>
-            <a:pPr marL="76200" lvl="0">
-              <a:spcAft>
-                <a:spcPts val="1000"/>
-              </a:spcAft>
-            </a:pPr>
-            <a:r>
-              <a:rPr lang="de-DE" dirty="0"/>
-              <a:t>DAS VORGEHEN</a:t>
-            </a:r>
-            <a:endParaRPr lang="en" dirty="0"/>
-          </a:p>
-        </p:txBody>
-      </p:sp>
-      <p:sp>
-        <p:nvSpPr>
-          <p:cNvPr id="237" name="Shape 237"/>
-          <p:cNvSpPr txBox="1">
-            <a:spLocks noGrp="1"/>
-          </p:cNvSpPr>
-          <p:nvPr>
-            <p:ph type="body" idx="1"/>
-          </p:nvPr>
-        </p:nvSpPr>
-        <p:spPr>
-          <a:xfrm>
-            <a:off x="814274" y="1327350"/>
-            <a:ext cx="6803725" cy="3145500"/>
-          </a:xfrm>
-          <a:prstGeom prst="rect">
-            <a:avLst/>
-          </a:prstGeom>
-        </p:spPr>
-        <p:txBody>
-          <a:bodyPr wrap="square" lIns="91425" tIns="91425" rIns="91425" bIns="91425" anchor="ctr" anchorCtr="0">
-            <a:noAutofit/>
-          </a:bodyPr>
-          <a:lstStyle/>
-          <a:p>
-            <a:pPr marL="457200" lvl="0" indent="-381000">
-              <a:buFont typeface="Arial" panose="020B0604020202020204" pitchFamily="34" charset="0"/>
-              <a:buChar char="•"/>
-            </a:pPr>
-            <a:r>
-              <a:rPr lang="en" dirty="0"/>
-              <a:t>Anhand der Ableitung der Fehlerfunktion im Bezug auf die einzelnen Gewichte können Rückschlüsse gezog</a:t>
-            </a:r>
-            <a:r>
-              <a:rPr lang="de-DE" dirty="0"/>
-              <a:t>en werden</a:t>
-            </a:r>
-          </a:p>
-          <a:p>
-            <a:pPr marL="457200" lvl="0" indent="-381000">
-              <a:buFont typeface="Arial" panose="020B0604020202020204" pitchFamily="34" charset="0"/>
-              <a:buChar char="•"/>
-            </a:pPr>
-            <a:r>
-              <a:rPr lang="de-DE" dirty="0"/>
-              <a:t>Das grundlegende Verfahren ist der </a:t>
-            </a:r>
-            <a:r>
-              <a:rPr lang="de-DE" dirty="0" err="1"/>
-              <a:t>Gradientenabstieg</a:t>
-            </a:r>
-            <a:r>
-              <a:rPr lang="de-DE" dirty="0"/>
-              <a:t> (Gradient </a:t>
-            </a:r>
-            <a:r>
-              <a:rPr lang="de-DE" dirty="0" err="1"/>
-              <a:t>descent</a:t>
-            </a:r>
-            <a:r>
-              <a:rPr lang="de-DE" dirty="0"/>
-              <a:t>)</a:t>
-            </a:r>
-            <a:endParaRPr lang="en" dirty="0"/>
-          </a:p>
-        </p:txBody>
-      </p:sp>
-      <p:sp>
-        <p:nvSpPr>
-          <p:cNvPr id="238" name="Shape 238"/>
-          <p:cNvSpPr txBox="1">
-            <a:spLocks noGrp="1"/>
-          </p:cNvSpPr>
-          <p:nvPr>
-            <p:ph type="sldNum" idx="12"/>
-          </p:nvPr>
-        </p:nvSpPr>
-        <p:spPr>
-          <a:xfrm>
-            <a:off x="7618000" y="4636500"/>
-            <a:ext cx="1487400" cy="315600"/>
-          </a:xfrm>
-          <a:prstGeom prst="rect">
-            <a:avLst/>
-          </a:prstGeom>
-        </p:spPr>
-        <p:txBody>
-          <a:bodyPr wrap="square" lIns="91425" tIns="91425" rIns="91425" bIns="91425" anchor="ctr" anchorCtr="0">
-            <a:noAutofit/>
-          </a:bodyPr>
-          <a:lstStyle/>
-          <a:p>
-            <a:pPr lvl="0">
-              <a:spcBef>
-                <a:spcPts val="0"/>
-              </a:spcBef>
-              <a:buNone/>
-            </a:pPr>
-            <a:fld id="{00000000-1234-1234-1234-123412341234}" type="slidenum">
-              <a:rPr lang="en"/>
-              <a:t>9</a:t>
-            </a:fld>
-            <a:endParaRPr lang="en"/>
-          </a:p>
-        </p:txBody>
-      </p:sp>
-    </p:spTree>
-    <p:extLst>
-      <p:ext uri="{BB962C8B-B14F-4D97-AF65-F5344CB8AC3E}">
-        <p14:creationId xmlns:p14="http://schemas.microsoft.com/office/powerpoint/2010/main" val="2016762171"/>
       </p:ext>
     </p:extLst>
   </p:cSld>
